--- a/wenjian/图形模板.pptx
+++ b/wenjian/图形模板.pptx
@@ -2,7 +2,7 @@
 <file path=ppt/presentation.xml><?xml version="1.0" encoding="utf-8"?>
 <p:presentation xmlns:a="http://schemas.openxmlformats.org/drawingml/2006/main" xmlns:r="http://schemas.openxmlformats.org/officeDocument/2006/relationships" xmlns:p="http://schemas.openxmlformats.org/presentationml/2006/main" saveSubsetFonts="1">
   <p:sldMasterIdLst>
-    <p:sldMasterId id="2147483660" r:id="rId1"/>
+    <p:sldMasterId id="2147483672" r:id="rId1"/>
   </p:sldMasterIdLst>
   <p:sldIdLst>
     <p:sldId id="256" r:id="rId2"/>
@@ -14,7 +14,7 @@
     <a:defPPr>
       <a:defRPr lang="en-US"/>
     </a:defPPr>
-    <a:lvl1pPr marL="0" algn="l" defTabSz="457200" rtl="0" eaLnBrk="1" latinLnBrk="0" hangingPunct="1">
+    <a:lvl1pPr marL="0" algn="l" defTabSz="914400" rtl="0" eaLnBrk="1" latinLnBrk="0" hangingPunct="1">
       <a:defRPr sz="1800" kern="1200">
         <a:solidFill>
           <a:schemeClr val="tx1"/>
@@ -24,7 +24,7 @@
         <a:cs typeface="+mn-cs"/>
       </a:defRPr>
     </a:lvl1pPr>
-    <a:lvl2pPr marL="457200" algn="l" defTabSz="457200" rtl="0" eaLnBrk="1" latinLnBrk="0" hangingPunct="1">
+    <a:lvl2pPr marL="457200" algn="l" defTabSz="914400" rtl="0" eaLnBrk="1" latinLnBrk="0" hangingPunct="1">
       <a:defRPr sz="1800" kern="1200">
         <a:solidFill>
           <a:schemeClr val="tx1"/>
@@ -34,7 +34,7 @@
         <a:cs typeface="+mn-cs"/>
       </a:defRPr>
     </a:lvl2pPr>
-    <a:lvl3pPr marL="914400" algn="l" defTabSz="457200" rtl="0" eaLnBrk="1" latinLnBrk="0" hangingPunct="1">
+    <a:lvl3pPr marL="914400" algn="l" defTabSz="914400" rtl="0" eaLnBrk="1" latinLnBrk="0" hangingPunct="1">
       <a:defRPr sz="1800" kern="1200">
         <a:solidFill>
           <a:schemeClr val="tx1"/>
@@ -44,7 +44,7 @@
         <a:cs typeface="+mn-cs"/>
       </a:defRPr>
     </a:lvl3pPr>
-    <a:lvl4pPr marL="1371600" algn="l" defTabSz="457200" rtl="0" eaLnBrk="1" latinLnBrk="0" hangingPunct="1">
+    <a:lvl4pPr marL="1371600" algn="l" defTabSz="914400" rtl="0" eaLnBrk="1" latinLnBrk="0" hangingPunct="1">
       <a:defRPr sz="1800" kern="1200">
         <a:solidFill>
           <a:schemeClr val="tx1"/>
@@ -54,7 +54,7 @@
         <a:cs typeface="+mn-cs"/>
       </a:defRPr>
     </a:lvl4pPr>
-    <a:lvl5pPr marL="1828800" algn="l" defTabSz="457200" rtl="0" eaLnBrk="1" latinLnBrk="0" hangingPunct="1">
+    <a:lvl5pPr marL="1828800" algn="l" defTabSz="914400" rtl="0" eaLnBrk="1" latinLnBrk="0" hangingPunct="1">
       <a:defRPr sz="1800" kern="1200">
         <a:solidFill>
           <a:schemeClr val="tx1"/>
@@ -64,7 +64,7 @@
         <a:cs typeface="+mn-cs"/>
       </a:defRPr>
     </a:lvl5pPr>
-    <a:lvl6pPr marL="2286000" algn="l" defTabSz="457200" rtl="0" eaLnBrk="1" latinLnBrk="0" hangingPunct="1">
+    <a:lvl6pPr marL="2286000" algn="l" defTabSz="914400" rtl="0" eaLnBrk="1" latinLnBrk="0" hangingPunct="1">
       <a:defRPr sz="1800" kern="1200">
         <a:solidFill>
           <a:schemeClr val="tx1"/>
@@ -74,7 +74,7 @@
         <a:cs typeface="+mn-cs"/>
       </a:defRPr>
     </a:lvl6pPr>
-    <a:lvl7pPr marL="2743200" algn="l" defTabSz="457200" rtl="0" eaLnBrk="1" latinLnBrk="0" hangingPunct="1">
+    <a:lvl7pPr marL="2743200" algn="l" defTabSz="914400" rtl="0" eaLnBrk="1" latinLnBrk="0" hangingPunct="1">
       <a:defRPr sz="1800" kern="1200">
         <a:solidFill>
           <a:schemeClr val="tx1"/>
@@ -84,7 +84,7 @@
         <a:cs typeface="+mn-cs"/>
       </a:defRPr>
     </a:lvl7pPr>
-    <a:lvl8pPr marL="3200400" algn="l" defTabSz="457200" rtl="0" eaLnBrk="1" latinLnBrk="0" hangingPunct="1">
+    <a:lvl8pPr marL="3200400" algn="l" defTabSz="914400" rtl="0" eaLnBrk="1" latinLnBrk="0" hangingPunct="1">
       <a:defRPr sz="1800" kern="1200">
         <a:solidFill>
           <a:schemeClr val="tx1"/>
@@ -94,7 +94,7 @@
         <a:cs typeface="+mn-cs"/>
       </a:defRPr>
     </a:lvl8pPr>
-    <a:lvl9pPr marL="3657600" algn="l" defTabSz="457200" rtl="0" eaLnBrk="1" latinLnBrk="0" hangingPunct="1">
+    <a:lvl9pPr marL="3657600" algn="l" defTabSz="914400" rtl="0" eaLnBrk="1" latinLnBrk="0" hangingPunct="1">
       <a:defRPr sz="1800" kern="1200">
         <a:solidFill>
           <a:schemeClr val="tx1"/>
@@ -105,20 +105,21 @@
       </a:defRPr>
     </a:lvl9pPr>
   </p:defaultTextStyle>
+  <p:extLst>
+    <p:ext uri="{EFAFB233-063F-42B5-8137-9DF3F51BA10A}">
+      <p15:sldGuideLst xmlns:p15="http://schemas.microsoft.com/office/powerpoint/2012/main"/>
+    </p:ext>
+  </p:extLst>
 </p:presentation>
+</file>
+
+<file path=ppt/revisionInfo.xml><?xml version="1.0" encoding="utf-8"?>
+<p1510:revInfo xmlns:a="http://schemas.openxmlformats.org/drawingml/2006/main" xmlns:r="http://schemas.openxmlformats.org/officeDocument/2006/relationships" xmlns:p1510="http://schemas.microsoft.com/office/powerpoint/2015/10/main"/>
 </file>
 
 <file path=ppt/slideLayouts/slideLayout1.xml><?xml version="1.0" encoding="utf-8"?>
 <p:sldLayout xmlns:a="http://schemas.openxmlformats.org/drawingml/2006/main" xmlns:r="http://schemas.openxmlformats.org/officeDocument/2006/relationships" xmlns:p="http://schemas.openxmlformats.org/presentationml/2006/main" type="title" preserve="1">
   <p:cSld name="标题幻灯片">
-    <p:bg>
-      <p:bgPr>
-        <a:solidFill>
-          <a:schemeClr val="accent1"/>
-        </a:solidFill>
-        <a:effectLst/>
-      </p:bgPr>
-    </p:bg>
     <p:spTree>
       <p:nvGrpSpPr>
         <p:cNvPr id="1" name=""/>
@@ -135,41 +136,6 @@
       </p:grpSpPr>
       <p:sp>
         <p:nvSpPr>
-          <p:cNvPr id="4" name="Rectangle 3"/>
-          <p:cNvSpPr/>
-          <p:nvPr/>
-        </p:nvSpPr>
-        <p:spPr>
-          <a:xfrm>
-            <a:off x="0" y="0"/>
-            <a:ext cx="12192000" cy="6858000"/>
-          </a:xfrm>
-          <a:prstGeom prst="rect">
-            <a:avLst/>
-          </a:prstGeom>
-          <a:ln>
-            <a:noFill/>
-          </a:ln>
-        </p:spPr>
-        <p:style>
-          <a:lnRef idx="2">
-            <a:schemeClr val="accent1">
-              <a:shade val="50000"/>
-            </a:schemeClr>
-          </a:lnRef>
-          <a:fillRef idx="1">
-            <a:schemeClr val="accent1"/>
-          </a:fillRef>
-          <a:effectRef idx="0">
-            <a:schemeClr val="accent1"/>
-          </a:effectRef>
-          <a:fontRef idx="minor">
-            <a:schemeClr val="lt1"/>
-          </a:fontRef>
-        </p:style>
-      </p:sp>
-      <p:sp>
-        <p:nvSpPr>
           <p:cNvPr id="2" name="Title 1"/>
           <p:cNvSpPr>
             <a:spLocks noGrp="1"/>
@@ -180,24 +146,17 @@
         </p:nvSpPr>
         <p:spPr>
           <a:xfrm>
-            <a:off x="603504" y="770467"/>
-            <a:ext cx="10782300" cy="3352800"/>
+            <a:off x="1524000" y="1124530"/>
+            <a:ext cx="9144000" cy="2387600"/>
           </a:xfrm>
         </p:spPr>
         <p:txBody>
           <a:bodyPr anchor="b">
-            <a:noAutofit/>
+            <a:normAutofit/>
           </a:bodyPr>
           <a:lstStyle>
-            <a:lvl1pPr algn="l">
-              <a:lnSpc>
-                <a:spcPct val="80000"/>
-              </a:lnSpc>
-              <a:defRPr sz="8800" spc="-120" baseline="0">
-                <a:solidFill>
-                  <a:srgbClr val="FFFFFF"/>
-                </a:solidFill>
-              </a:defRPr>
+            <a:lvl1pPr algn="ctr">
+              <a:defRPr sz="6000"/>
             </a:lvl1pPr>
           </a:lstStyle>
           <a:p>
@@ -221,8 +180,8 @@
         </p:nvSpPr>
         <p:spPr>
           <a:xfrm>
-            <a:off x="667512" y="4206876"/>
-            <a:ext cx="9228201" cy="1645920"/>
+            <a:off x="1524000" y="3602038"/>
+            <a:ext cx="9144000" cy="1655762"/>
           </a:xfrm>
         </p:spPr>
         <p:txBody>
@@ -230,13 +189,15 @@
             <a:normAutofit/>
           </a:bodyPr>
           <a:lstStyle>
-            <a:lvl1pPr marL="0" indent="0" algn="l">
+            <a:lvl1pPr marL="0" indent="0" algn="ctr">
               <a:buNone/>
-              <a:defRPr sz="3200">
+              <a:defRPr sz="2400">
                 <a:solidFill>
-                  <a:schemeClr val="bg1"/>
+                  <a:schemeClr val="tx1">
+                    <a:lumMod val="75000"/>
+                    <a:lumOff val="25000"/>
+                  </a:schemeClr>
                 </a:solidFill>
-                <a:latin typeface="+mj-lt"/>
               </a:defRPr>
             </a:lvl1pPr>
             <a:lvl2pPr marL="457200" indent="0" algn="ctr">
@@ -283,7 +244,7 @@
       </p:sp>
       <p:sp>
         <p:nvSpPr>
-          <p:cNvPr id="7" name="Date Placeholder 6"/>
+          <p:cNvPr id="4" name="Date Placeholder 3"/>
           <p:cNvSpPr>
             <a:spLocks noGrp="1"/>
           </p:cNvSpPr>
@@ -294,17 +255,7 @@
         <p:spPr/>
         <p:txBody>
           <a:bodyPr/>
-          <a:lstStyle>
-            <a:lvl1pPr>
-              <a:defRPr>
-                <a:solidFill>
-                  <a:srgbClr val="FFFFFF">
-                    <a:alpha val="80000"/>
-                  </a:srgbClr>
-                </a:solidFill>
-              </a:defRPr>
-            </a:lvl1pPr>
-          </a:lstStyle>
+          <a:lstStyle/>
           <a:p>
             <a:fld id="{294C78A6-F6A0-4D3D-A31A-DDE82C9276DA}" type="datetimeFigureOut">
               <a:rPr lang="zh-CN" altLang="en-US" smtClean="0"/>
@@ -316,7 +267,7 @@
       </p:sp>
       <p:sp>
         <p:nvSpPr>
-          <p:cNvPr id="8" name="Footer Placeholder 7"/>
+          <p:cNvPr id="5" name="Footer Placeholder 4"/>
           <p:cNvSpPr>
             <a:spLocks noGrp="1"/>
           </p:cNvSpPr>
@@ -327,17 +278,7 @@
         <p:spPr/>
         <p:txBody>
           <a:bodyPr/>
-          <a:lstStyle>
-            <a:lvl1pPr>
-              <a:defRPr>
-                <a:solidFill>
-                  <a:srgbClr val="FFFFFF">
-                    <a:alpha val="80000"/>
-                  </a:srgbClr>
-                </a:solidFill>
-              </a:defRPr>
-            </a:lvl1pPr>
-          </a:lstStyle>
+          <a:lstStyle/>
           <a:p>
             <a:endParaRPr lang="zh-CN" altLang="en-US"/>
           </a:p>
@@ -345,7 +286,7 @@
       </p:sp>
       <p:sp>
         <p:nvSpPr>
-          <p:cNvPr id="9" name="Slide Number Placeholder 8"/>
+          <p:cNvPr id="6" name="Slide Number Placeholder 5"/>
           <p:cNvSpPr>
             <a:spLocks noGrp="1"/>
           </p:cNvSpPr>
@@ -356,17 +297,7 @@
         <p:spPr/>
         <p:txBody>
           <a:bodyPr/>
-          <a:lstStyle>
-            <a:lvl1pPr>
-              <a:defRPr>
-                <a:solidFill>
-                  <a:srgbClr val="FFFFFF">
-                    <a:alpha val="25000"/>
-                  </a:srgbClr>
-                </a:solidFill>
-              </a:defRPr>
-            </a:lvl1pPr>
-          </a:lstStyle>
+          <a:lstStyle/>
           <a:p>
             <a:fld id="{18599EFD-F570-4651-98E5-1DCB7CBBE113}" type="slidenum">
               <a:rPr lang="zh-CN" altLang="en-US" smtClean="0"/>
@@ -379,7 +310,7 @@
     </p:spTree>
     <p:extLst>
       <p:ext uri="{BB962C8B-B14F-4D97-AF65-F5344CB8AC3E}">
-        <p14:creationId xmlns:p14="http://schemas.microsoft.com/office/powerpoint/2010/main" val="3549870674"/>
+        <p14:creationId xmlns:p14="http://schemas.microsoft.com/office/powerpoint/2010/main" val="1570568172"/>
       </p:ext>
     </p:extLst>
   </p:cSld>
@@ -425,7 +356,7 @@
               <a:rPr lang="zh-CN" altLang="en-US"/>
               <a:t>单击此处编辑母版标题样式</a:t>
             </a:r>
-            <a:endParaRPr lang="en-US" dirty="0"/>
+            <a:endParaRPr lang="en-US"/>
           </a:p>
         </p:txBody>
       </p:sp>
@@ -549,7 +480,7 @@
     </p:spTree>
     <p:extLst>
       <p:ext uri="{BB962C8B-B14F-4D97-AF65-F5344CB8AC3E}">
-        <p14:creationId xmlns:p14="http://schemas.microsoft.com/office/powerpoint/2010/main" val="962514430"/>
+        <p14:creationId xmlns:p14="http://schemas.microsoft.com/office/powerpoint/2010/main" val="4123800958"/>
       </p:ext>
     </p:extLst>
   </p:cSld>
@@ -588,8 +519,8 @@
         </p:nvSpPr>
         <p:spPr>
           <a:xfrm>
-            <a:off x="8743950" y="695325"/>
-            <a:ext cx="2628900" cy="4800600"/>
+            <a:off x="8724900" y="360362"/>
+            <a:ext cx="2628900" cy="5811838"/>
           </a:xfrm>
         </p:spPr>
         <p:txBody>
@@ -600,7 +531,7 @@
               <a:rPr lang="zh-CN" altLang="en-US"/>
               <a:t>单击此处编辑母版标题样式</a:t>
             </a:r>
-            <a:endParaRPr lang="en-US" dirty="0"/>
+            <a:endParaRPr lang="en-US"/>
           </a:p>
         </p:txBody>
       </p:sp>
@@ -616,8 +547,8 @@
         </p:nvSpPr>
         <p:spPr>
           <a:xfrm>
-            <a:off x="771525" y="714375"/>
-            <a:ext cx="7734300" cy="5400675"/>
+            <a:off x="838200" y="360362"/>
+            <a:ext cx="7734300" cy="5811837"/>
           </a:xfrm>
         </p:spPr>
         <p:txBody>
@@ -657,7 +588,7 @@
               <a:rPr lang="zh-CN" altLang="en-US"/>
               <a:t>第五级</a:t>
             </a:r>
-            <a:endParaRPr lang="en-US" dirty="0"/>
+            <a:endParaRPr lang="en-US"/>
           </a:p>
         </p:txBody>
       </p:sp>
@@ -729,7 +660,7 @@
     </p:spTree>
     <p:extLst>
       <p:ext uri="{BB962C8B-B14F-4D97-AF65-F5344CB8AC3E}">
-        <p14:creationId xmlns:p14="http://schemas.microsoft.com/office/powerpoint/2010/main" val="1304455064"/>
+        <p14:creationId xmlns:p14="http://schemas.microsoft.com/office/powerpoint/2010/main" val="1213838606"/>
       </p:ext>
     </p:extLst>
   </p:cSld>
@@ -899,7 +830,7 @@
     </p:spTree>
     <p:extLst>
       <p:ext uri="{BB962C8B-B14F-4D97-AF65-F5344CB8AC3E}">
-        <p14:creationId xmlns:p14="http://schemas.microsoft.com/office/powerpoint/2010/main" val="2940717318"/>
+        <p14:creationId xmlns:p14="http://schemas.microsoft.com/office/powerpoint/2010/main" val="3046582506"/>
       </p:ext>
     </p:extLst>
   </p:cSld>
@@ -938,8 +869,8 @@
         </p:nvSpPr>
         <p:spPr>
           <a:xfrm>
-            <a:off x="603504" y="767419"/>
-            <a:ext cx="10780776" cy="3355848"/>
+            <a:off x="831850" y="1712423"/>
+            <a:ext cx="10515600" cy="2851208"/>
           </a:xfrm>
         </p:spPr>
         <p:txBody>
@@ -948,14 +879,7 @@
           </a:bodyPr>
           <a:lstStyle>
             <a:lvl1pPr>
-              <a:lnSpc>
-                <a:spcPct val="80000"/>
-              </a:lnSpc>
-              <a:defRPr sz="8800" b="0" baseline="0">
-                <a:solidFill>
-                  <a:schemeClr val="accent1"/>
-                </a:solidFill>
-              </a:defRPr>
+              <a:defRPr sz="6000" b="0"/>
             </a:lvl1pPr>
           </a:lstStyle>
           <a:p>
@@ -979,8 +903,8 @@
         </p:nvSpPr>
         <p:spPr>
           <a:xfrm>
-            <a:off x="667512" y="4204209"/>
-            <a:ext cx="9226296" cy="1645920"/>
+            <a:off x="831850" y="4552633"/>
+            <a:ext cx="10515600" cy="1500187"/>
           </a:xfrm>
         </p:spPr>
         <p:txBody>
@@ -990,11 +914,13 @@
           <a:lstStyle>
             <a:lvl1pPr marL="0" indent="0">
               <a:buNone/>
-              <a:defRPr sz="3200">
+              <a:defRPr sz="2400">
                 <a:solidFill>
-                  <a:schemeClr val="tx1"/>
+                  <a:schemeClr val="tx1">
+                    <a:lumMod val="75000"/>
+                    <a:lumOff val="25000"/>
+                  </a:schemeClr>
                 </a:solidFill>
-                <a:latin typeface="+mj-lt"/>
               </a:defRPr>
             </a:lvl1pPr>
             <a:lvl2pPr marL="457200" indent="0">
@@ -1155,7 +1081,7 @@
     </p:spTree>
     <p:extLst>
       <p:ext uri="{BB962C8B-B14F-4D97-AF65-F5344CB8AC3E}">
-        <p14:creationId xmlns:p14="http://schemas.microsoft.com/office/powerpoint/2010/main" val="566903987"/>
+        <p14:creationId xmlns:p14="http://schemas.microsoft.com/office/powerpoint/2010/main" val="3945848054"/>
       </p:ext>
     </p:extLst>
   </p:cSld>
@@ -1217,41 +1143,13 @@
         </p:nvSpPr>
         <p:spPr>
           <a:xfrm>
-            <a:off x="676656" y="1998134"/>
-            <a:ext cx="4663440" cy="3767328"/>
+            <a:off x="845127" y="1828800"/>
+            <a:ext cx="5181600" cy="4351337"/>
           </a:xfrm>
         </p:spPr>
         <p:txBody>
           <a:bodyPr/>
-          <a:lstStyle>
-            <a:lvl1pPr>
-              <a:defRPr sz="2400"/>
-            </a:lvl1pPr>
-            <a:lvl2pPr>
-              <a:defRPr sz="2000"/>
-            </a:lvl2pPr>
-            <a:lvl3pPr>
-              <a:defRPr sz="1800"/>
-            </a:lvl3pPr>
-            <a:lvl4pPr>
-              <a:defRPr sz="1600"/>
-            </a:lvl4pPr>
-            <a:lvl5pPr>
-              <a:defRPr sz="1600"/>
-            </a:lvl5pPr>
-            <a:lvl6pPr>
-              <a:defRPr sz="1600"/>
-            </a:lvl6pPr>
-            <a:lvl7pPr>
-              <a:defRPr sz="1600"/>
-            </a:lvl7pPr>
-            <a:lvl8pPr>
-              <a:defRPr sz="1600"/>
-            </a:lvl8pPr>
-            <a:lvl9pPr>
-              <a:defRPr sz="1600"/>
-            </a:lvl9pPr>
-          </a:lstStyle>
+          <a:lstStyle/>
           <a:p>
             <a:pPr lvl="0"/>
             <a:r>
@@ -1302,41 +1200,13 @@
         </p:nvSpPr>
         <p:spPr>
           <a:xfrm>
-            <a:off x="6011330" y="1998134"/>
-            <a:ext cx="4663440" cy="3767328"/>
+            <a:off x="6172200" y="1828800"/>
+            <a:ext cx="5181600" cy="4351337"/>
           </a:xfrm>
         </p:spPr>
         <p:txBody>
           <a:bodyPr/>
-          <a:lstStyle>
-            <a:lvl1pPr>
-              <a:defRPr sz="2400"/>
-            </a:lvl1pPr>
-            <a:lvl2pPr>
-              <a:defRPr sz="2000"/>
-            </a:lvl2pPr>
-            <a:lvl3pPr>
-              <a:defRPr sz="1800"/>
-            </a:lvl3pPr>
-            <a:lvl4pPr>
-              <a:defRPr sz="1600"/>
-            </a:lvl4pPr>
-            <a:lvl5pPr>
-              <a:defRPr sz="1600"/>
-            </a:lvl5pPr>
-            <a:lvl6pPr>
-              <a:defRPr sz="1600"/>
-            </a:lvl6pPr>
-            <a:lvl7pPr>
-              <a:defRPr sz="1600"/>
-            </a:lvl7pPr>
-            <a:lvl8pPr>
-              <a:defRPr sz="1600"/>
-            </a:lvl8pPr>
-            <a:lvl9pPr>
-              <a:defRPr sz="1600"/>
-            </a:lvl9pPr>
-          </a:lstStyle>
+          <a:lstStyle/>
           <a:p>
             <a:pPr lvl="0"/>
             <a:r>
@@ -1443,7 +1313,7 @@
     </p:spTree>
     <p:extLst>
       <p:ext uri="{BB962C8B-B14F-4D97-AF65-F5344CB8AC3E}">
-        <p14:creationId xmlns:p14="http://schemas.microsoft.com/office/powerpoint/2010/main" val="46963946"/>
+        <p14:creationId xmlns:p14="http://schemas.microsoft.com/office/powerpoint/2010/main" val="2413194986"/>
       </p:ext>
     </p:extLst>
   </p:cSld>
@@ -1454,7 +1324,7 @@
 </file>
 
 <file path=ppt/slideLayouts/slideLayout5.xml><?xml version="1.0" encoding="utf-8"?>
-<p:sldLayout xmlns:a="http://schemas.openxmlformats.org/drawingml/2006/main" xmlns:r="http://schemas.openxmlformats.org/officeDocument/2006/relationships" xmlns:p="http://schemas.openxmlformats.org/presentationml/2006/main" type="twoTxTwoObj" preserve="1">
+<p:sldLayout xmlns:a="http://schemas.openxmlformats.org/drawingml/2006/main" xmlns:r="http://schemas.openxmlformats.org/officeDocument/2006/relationships" xmlns:p="http://schemas.openxmlformats.org/presentationml/2006/main" preserve="1">
   <p:cSld name="比较">
     <p:spTree>
       <p:nvGrpSpPr>
@@ -1472,29 +1342,6 @@
       </p:grpSpPr>
       <p:sp>
         <p:nvSpPr>
-          <p:cNvPr id="10" name="Title 9"/>
-          <p:cNvSpPr>
-            <a:spLocks noGrp="1"/>
-          </p:cNvSpPr>
-          <p:nvPr>
-            <p:ph type="title"/>
-          </p:nvPr>
-        </p:nvSpPr>
-        <p:spPr/>
-        <p:txBody>
-          <a:bodyPr/>
-          <a:lstStyle/>
-          <a:p>
-            <a:r>
-              <a:rPr lang="zh-CN" altLang="en-US"/>
-              <a:t>单击此处编辑母版标题样式</a:t>
-            </a:r>
-            <a:endParaRPr lang="en-US" dirty="0"/>
-          </a:p>
-        </p:txBody>
-      </p:sp>
-      <p:sp>
-        <p:nvSpPr>
           <p:cNvPr id="3" name="Text Placeholder 2"/>
           <p:cNvSpPr>
             <a:spLocks noGrp="1"/>
@@ -1505,26 +1352,21 @@
         </p:nvSpPr>
         <p:spPr>
           <a:xfrm>
-            <a:off x="676656" y="2040467"/>
-            <a:ext cx="4663440" cy="723400"/>
+            <a:off x="845127" y="1681850"/>
+            <a:ext cx="5156200" cy="825699"/>
           </a:xfrm>
         </p:spPr>
         <p:txBody>
-          <a:bodyPr anchor="ctr">
+          <a:bodyPr anchor="b">
             <a:normAutofit/>
           </a:bodyPr>
           <a:lstStyle>
             <a:lvl1pPr marL="0" indent="0">
+              <a:spcBef>
+                <a:spcPts val="0"/>
+              </a:spcBef>
               <a:buNone/>
-              <a:defRPr sz="2200" b="0" cap="all" baseline="0">
-                <a:solidFill>
-                  <a:schemeClr val="tx1">
-                    <a:lumMod val="85000"/>
-                    <a:lumOff val="15000"/>
-                  </a:schemeClr>
-                </a:solidFill>
-                <a:latin typeface="+mj-lt"/>
-              </a:defRPr>
+              <a:defRPr sz="2400" b="1"/>
             </a:lvl1pPr>
             <a:lvl2pPr marL="457200" indent="0">
               <a:buNone/>
@@ -1580,41 +1422,13 @@
         </p:nvSpPr>
         <p:spPr>
           <a:xfrm>
-            <a:off x="676656" y="2753084"/>
-            <a:ext cx="4663440" cy="3200400"/>
+            <a:off x="845127" y="2507550"/>
+            <a:ext cx="5156200" cy="3680525"/>
           </a:xfrm>
         </p:spPr>
         <p:txBody>
           <a:bodyPr/>
-          <a:lstStyle>
-            <a:lvl1pPr>
-              <a:defRPr sz="2400"/>
-            </a:lvl1pPr>
-            <a:lvl2pPr>
-              <a:defRPr sz="2000"/>
-            </a:lvl2pPr>
-            <a:lvl3pPr>
-              <a:defRPr sz="1800"/>
-            </a:lvl3pPr>
-            <a:lvl4pPr>
-              <a:defRPr sz="1600"/>
-            </a:lvl4pPr>
-            <a:lvl5pPr>
-              <a:defRPr sz="1600"/>
-            </a:lvl5pPr>
-            <a:lvl6pPr>
-              <a:defRPr sz="1600"/>
-            </a:lvl6pPr>
-            <a:lvl7pPr>
-              <a:defRPr sz="1600"/>
-            </a:lvl7pPr>
-            <a:lvl8pPr>
-              <a:defRPr sz="1600"/>
-            </a:lvl8pPr>
-            <a:lvl9pPr>
-              <a:defRPr sz="1600"/>
-            </a:lvl9pPr>
-          </a:lstStyle>
+          <a:lstStyle/>
           <a:p>
             <a:pPr lvl="0"/>
             <a:r>
@@ -1665,26 +1479,19 @@
         </p:nvSpPr>
         <p:spPr>
           <a:xfrm>
-            <a:off x="6007608" y="2038435"/>
-            <a:ext cx="4663440" cy="722376"/>
+            <a:off x="6172200" y="1681851"/>
+            <a:ext cx="5181601" cy="825698"/>
           </a:xfrm>
         </p:spPr>
         <p:txBody>
-          <a:bodyPr anchor="ctr">
-            <a:normAutofit/>
-          </a:bodyPr>
+          <a:bodyPr anchor="b"/>
           <a:lstStyle>
             <a:lvl1pPr marL="0" indent="0">
+              <a:spcBef>
+                <a:spcPts val="0"/>
+              </a:spcBef>
               <a:buNone/>
-              <a:defRPr sz="2200" b="0" cap="all" baseline="0">
-                <a:solidFill>
-                  <a:schemeClr val="tx1">
-                    <a:lumMod val="85000"/>
-                    <a:lumOff val="15000"/>
-                  </a:schemeClr>
-                </a:solidFill>
-                <a:latin typeface="+mj-lt"/>
-              </a:defRPr>
+              <a:defRPr sz="2400" b="1"/>
             </a:lvl1pPr>
             <a:lvl2pPr marL="457200" indent="0">
               <a:buNone/>
@@ -1740,41 +1547,13 @@
         </p:nvSpPr>
         <p:spPr>
           <a:xfrm>
-            <a:off x="6007608" y="2750990"/>
-            <a:ext cx="4663440" cy="3200400"/>
+            <a:off x="6172200" y="2507550"/>
+            <a:ext cx="5181601" cy="3680525"/>
           </a:xfrm>
         </p:spPr>
         <p:txBody>
           <a:bodyPr/>
-          <a:lstStyle>
-            <a:lvl1pPr>
-              <a:defRPr sz="2400"/>
-            </a:lvl1pPr>
-            <a:lvl2pPr>
-              <a:defRPr sz="2000"/>
-            </a:lvl2pPr>
-            <a:lvl3pPr>
-              <a:defRPr sz="1800"/>
-            </a:lvl3pPr>
-            <a:lvl4pPr>
-              <a:defRPr sz="1600"/>
-            </a:lvl4pPr>
-            <a:lvl5pPr>
-              <a:defRPr sz="1600"/>
-            </a:lvl5pPr>
-            <a:lvl6pPr>
-              <a:defRPr sz="1600"/>
-            </a:lvl6pPr>
-            <a:lvl7pPr>
-              <a:defRPr sz="1600"/>
-            </a:lvl7pPr>
-            <a:lvl8pPr>
-              <a:defRPr sz="1600"/>
-            </a:lvl8pPr>
-            <a:lvl9pPr>
-              <a:defRPr sz="1600"/>
-            </a:lvl9pPr>
-          </a:lstStyle>
+          <a:lstStyle/>
           <a:p>
             <a:pPr lvl="0"/>
             <a:r>
@@ -1809,7 +1588,7 @@
               <a:rPr lang="zh-CN" altLang="en-US"/>
               <a:t>第五级</a:t>
             </a:r>
-            <a:endParaRPr lang="en-US" dirty="0"/>
+            <a:endParaRPr lang="en-US"/>
           </a:p>
         </p:txBody>
       </p:sp>
@@ -1878,10 +1657,33 @@
           </a:p>
         </p:txBody>
       </p:sp>
+      <p:sp>
+        <p:nvSpPr>
+          <p:cNvPr id="10" name="Title 9"/>
+          <p:cNvSpPr>
+            <a:spLocks noGrp="1"/>
+          </p:cNvSpPr>
+          <p:nvPr>
+            <p:ph type="title"/>
+          </p:nvPr>
+        </p:nvSpPr>
+        <p:spPr/>
+        <p:txBody>
+          <a:bodyPr/>
+          <a:lstStyle/>
+          <a:p>
+            <a:r>
+              <a:rPr lang="zh-CN" altLang="en-US"/>
+              <a:t>单击此处编辑母版标题样式</a:t>
+            </a:r>
+            <a:endParaRPr lang="en-US" dirty="0"/>
+          </a:p>
+        </p:txBody>
+      </p:sp>
     </p:spTree>
     <p:extLst>
       <p:ext uri="{BB962C8B-B14F-4D97-AF65-F5344CB8AC3E}">
-        <p14:creationId xmlns:p14="http://schemas.microsoft.com/office/powerpoint/2010/main" val="1477871056"/>
+        <p14:creationId xmlns:p14="http://schemas.microsoft.com/office/powerpoint/2010/main" val="3200904983"/>
       </p:ext>
     </p:extLst>
   </p:cSld>
@@ -1892,7 +1694,7 @@
 </file>
 
 <file path=ppt/slideLayouts/slideLayout6.xml><?xml version="1.0" encoding="utf-8"?>
-<p:sldLayout xmlns:a="http://schemas.openxmlformats.org/drawingml/2006/main" xmlns:r="http://schemas.openxmlformats.org/officeDocument/2006/relationships" xmlns:p="http://schemas.openxmlformats.org/presentationml/2006/main" type="titleOnly" preserve="1">
+<p:sldLayout xmlns:a="http://schemas.openxmlformats.org/drawingml/2006/main" xmlns:r="http://schemas.openxmlformats.org/officeDocument/2006/relationships" xmlns:p="http://schemas.openxmlformats.org/presentationml/2006/main" preserve="1">
   <p:cSld name="仅标题">
     <p:spTree>
       <p:nvGrpSpPr>
@@ -1910,29 +1712,6 @@
       </p:grpSpPr>
       <p:sp>
         <p:nvSpPr>
-          <p:cNvPr id="6" name="Title 5"/>
-          <p:cNvSpPr>
-            <a:spLocks noGrp="1"/>
-          </p:cNvSpPr>
-          <p:nvPr>
-            <p:ph type="title"/>
-          </p:nvPr>
-        </p:nvSpPr>
-        <p:spPr/>
-        <p:txBody>
-          <a:bodyPr/>
-          <a:lstStyle/>
-          <a:p>
-            <a:r>
-              <a:rPr lang="zh-CN" altLang="en-US"/>
-              <a:t>单击此处编辑母版标题样式</a:t>
-            </a:r>
-            <a:endParaRPr lang="en-US" dirty="0"/>
-          </a:p>
-        </p:txBody>
-      </p:sp>
-      <p:sp>
-        <p:nvSpPr>
           <p:cNvPr id="3" name="Date Placeholder 2"/>
           <p:cNvSpPr>
             <a:spLocks noGrp="1"/>
@@ -1996,10 +1775,33 @@
           </a:p>
         </p:txBody>
       </p:sp>
+      <p:sp>
+        <p:nvSpPr>
+          <p:cNvPr id="6" name="Title 5"/>
+          <p:cNvSpPr>
+            <a:spLocks noGrp="1"/>
+          </p:cNvSpPr>
+          <p:nvPr>
+            <p:ph type="title"/>
+          </p:nvPr>
+        </p:nvSpPr>
+        <p:spPr/>
+        <p:txBody>
+          <a:bodyPr/>
+          <a:lstStyle/>
+          <a:p>
+            <a:r>
+              <a:rPr lang="zh-CN" altLang="en-US"/>
+              <a:t>单击此处编辑母版标题样式</a:t>
+            </a:r>
+            <a:endParaRPr lang="en-US"/>
+          </a:p>
+        </p:txBody>
+      </p:sp>
     </p:spTree>
     <p:extLst>
       <p:ext uri="{BB962C8B-B14F-4D97-AF65-F5344CB8AC3E}">
-        <p14:creationId xmlns:p14="http://schemas.microsoft.com/office/powerpoint/2010/main" val="470172253"/>
+        <p14:creationId xmlns:p14="http://schemas.microsoft.com/office/powerpoint/2010/main" val="2674624005"/>
       </p:ext>
     </p:extLst>
   </p:cSld>
@@ -2094,7 +1896,7 @@
     </p:spTree>
     <p:extLst>
       <p:ext uri="{BB962C8B-B14F-4D97-AF65-F5344CB8AC3E}">
-        <p14:creationId xmlns:p14="http://schemas.microsoft.com/office/powerpoint/2010/main" val="2229240792"/>
+        <p14:creationId xmlns:p14="http://schemas.microsoft.com/office/powerpoint/2010/main" val="1209622771"/>
       </p:ext>
     </p:extLst>
   </p:cSld>
@@ -2123,42 +1925,7 @@
       </p:grpSpPr>
       <p:sp>
         <p:nvSpPr>
-          <p:cNvPr id="2" name="Rectangle 1"/>
-          <p:cNvSpPr/>
-          <p:nvPr/>
-        </p:nvSpPr>
-        <p:spPr>
-          <a:xfrm>
-            <a:off x="7620000" y="0"/>
-            <a:ext cx="4572000" cy="6858000"/>
-          </a:xfrm>
-          <a:prstGeom prst="rect">
-            <a:avLst/>
-          </a:prstGeom>
-          <a:ln>
-            <a:noFill/>
-          </a:ln>
-        </p:spPr>
-        <p:style>
-          <a:lnRef idx="2">
-            <a:schemeClr val="accent1">
-              <a:shade val="50000"/>
-            </a:schemeClr>
-          </a:lnRef>
-          <a:fillRef idx="1">
-            <a:schemeClr val="accent1"/>
-          </a:fillRef>
-          <a:effectRef idx="0">
-            <a:schemeClr val="accent1"/>
-          </a:effectRef>
-          <a:fontRef idx="minor">
-            <a:schemeClr val="lt1"/>
-          </a:fontRef>
-        </p:style>
-      </p:sp>
-      <p:sp>
-        <p:nvSpPr>
-          <p:cNvPr id="9" name="Title 8"/>
+          <p:cNvPr id="2" name="Title 1"/>
           <p:cNvSpPr>
             <a:spLocks noGrp="1"/>
           </p:cNvSpPr>
@@ -2168,24 +1935,17 @@
         </p:nvSpPr>
         <p:spPr>
           <a:xfrm>
-            <a:off x="8261404" y="542282"/>
-            <a:ext cx="3383280" cy="1920240"/>
+            <a:off x="841248" y="457200"/>
+            <a:ext cx="3931920" cy="1600197"/>
           </a:xfrm>
         </p:spPr>
         <p:txBody>
           <a:bodyPr anchor="b">
-            <a:noAutofit/>
+            <a:normAutofit/>
           </a:bodyPr>
           <a:lstStyle>
             <a:lvl1pPr>
-              <a:lnSpc>
-                <a:spcPct val="85000"/>
-              </a:lnSpc>
-              <a:defRPr sz="4000">
-                <a:solidFill>
-                  <a:srgbClr val="FFFFFF"/>
-                </a:solidFill>
-              </a:defRPr>
+              <a:defRPr sz="3200" b="0"/>
             </a:lvl1pPr>
           </a:lstStyle>
           <a:p>
@@ -2209,8 +1969,8 @@
         </p:nvSpPr>
         <p:spPr>
           <a:xfrm>
-            <a:off x="762000" y="762000"/>
-            <a:ext cx="6096000" cy="4572000"/>
+            <a:off x="5181600" y="990600"/>
+            <a:ext cx="6172200" cy="4876800"/>
           </a:xfrm>
         </p:spPr>
         <p:txBody>
@@ -2294,8 +2054,8 @@
         </p:nvSpPr>
         <p:spPr>
           <a:xfrm>
-            <a:off x="8275982" y="2511813"/>
-            <a:ext cx="3398520" cy="3126987"/>
+            <a:off x="841248" y="2057399"/>
+            <a:ext cx="3931920" cy="3810001"/>
           </a:xfrm>
         </p:spPr>
         <p:txBody>
@@ -2303,26 +2063,12 @@
             <a:normAutofit/>
           </a:bodyPr>
           <a:lstStyle>
-            <a:lvl1pPr marL="0" marR="0" indent="0" algn="l" defTabSz="914400" rtl="0" eaLnBrk="1" fontAlgn="auto" latinLnBrk="0" hangingPunct="1">
+            <a:lvl1pPr marL="0" indent="0">
               <a:lnSpc>
-                <a:spcPct val="100000"/>
+                <a:spcPct val="90000"/>
               </a:lnSpc>
-              <a:spcBef>
-                <a:spcPts val="1200"/>
-              </a:spcBef>
-              <a:spcAft>
-                <a:spcPts val="0"/>
-              </a:spcAft>
-              <a:buClrTx/>
-              <a:buSzTx/>
-              <a:buFontTx/>
               <a:buNone/>
-              <a:tabLst/>
-              <a:defRPr sz="1800">
-                <a:solidFill>
-                  <a:srgbClr val="262626"/>
-                </a:solidFill>
-              </a:defRPr>
+              <a:defRPr sz="1600"/>
             </a:lvl1pPr>
             <a:lvl2pPr marL="457200" indent="0">
               <a:buNone/>
@@ -2358,23 +2104,7 @@
             </a:lvl9pPr>
           </a:lstStyle>
           <a:p>
-            <a:pPr marL="0" marR="0" lvl="0" indent="0" algn="l" defTabSz="914400" rtl="0" eaLnBrk="1" fontAlgn="auto" latinLnBrk="0" hangingPunct="1">
-              <a:lnSpc>
-                <a:spcPct val="100000"/>
-              </a:lnSpc>
-              <a:spcBef>
-                <a:spcPts val="1400"/>
-              </a:spcBef>
-              <a:spcAft>
-                <a:spcPts val="0"/>
-              </a:spcAft>
-              <a:buClrTx/>
-              <a:buSzTx/>
-              <a:buFontTx/>
-              <a:buNone/>
-              <a:tabLst/>
-              <a:defRPr/>
-            </a:pPr>
+            <a:pPr lvl="0"/>
             <a:r>
               <a:rPr lang="zh-CN" altLang="en-US"/>
               <a:t>编辑母版文本样式</a:t>
@@ -2437,17 +2167,7 @@
         <p:spPr/>
         <p:txBody>
           <a:bodyPr/>
-          <a:lstStyle>
-            <a:lvl1pPr>
-              <a:defRPr>
-                <a:solidFill>
-                  <a:srgbClr val="FFFFFF">
-                    <a:alpha val="20000"/>
-                  </a:srgbClr>
-                </a:solidFill>
-              </a:defRPr>
-            </a:lvl1pPr>
-          </a:lstStyle>
+          <a:lstStyle/>
           <a:p>
             <a:fld id="{18599EFD-F570-4651-98E5-1DCB7CBBE113}" type="slidenum">
               <a:rPr lang="zh-CN" altLang="en-US" smtClean="0"/>
@@ -2460,7 +2180,7 @@
     </p:spTree>
     <p:extLst>
       <p:ext uri="{BB962C8B-B14F-4D97-AF65-F5344CB8AC3E}">
-        <p14:creationId xmlns:p14="http://schemas.microsoft.com/office/powerpoint/2010/main" val="306253286"/>
+        <p14:creationId xmlns:p14="http://schemas.microsoft.com/office/powerpoint/2010/main" val="92684830"/>
       </p:ext>
     </p:extLst>
   </p:cSld>
@@ -2473,14 +2193,6 @@
 <file path=ppt/slideLayouts/slideLayout9.xml><?xml version="1.0" encoding="utf-8"?>
 <p:sldLayout xmlns:a="http://schemas.openxmlformats.org/drawingml/2006/main" xmlns:r="http://schemas.openxmlformats.org/officeDocument/2006/relationships" xmlns:p="http://schemas.openxmlformats.org/presentationml/2006/main" type="picTx" preserve="1">
   <p:cSld name="图片与标题">
-    <p:bg>
-      <p:bgPr>
-        <a:solidFill>
-          <a:schemeClr val="accent1"/>
-        </a:solidFill>
-        <a:effectLst/>
-      </p:bgPr>
-    </p:bg>
     <p:spTree>
       <p:nvGrpSpPr>
         <p:cNvPr id="1" name=""/>
@@ -2507,8 +2219,8 @@
         </p:nvSpPr>
         <p:spPr>
           <a:xfrm>
-            <a:off x="649224" y="5418667"/>
-            <a:ext cx="10780776" cy="613283"/>
+            <a:off x="841248" y="457200"/>
+            <a:ext cx="3931920" cy="1600200"/>
           </a:xfrm>
         </p:spPr>
         <p:txBody>
@@ -2517,11 +2229,7 @@
           </a:bodyPr>
           <a:lstStyle>
             <a:lvl1pPr>
-              <a:defRPr sz="3200" b="0">
-                <a:solidFill>
-                  <a:srgbClr val="FFFFFF"/>
-                </a:solidFill>
-              </a:defRPr>
+              <a:defRPr sz="3200" b="0"/>
             </a:lvl1pPr>
           </a:lstStyle>
           <a:p>
@@ -2537,7 +2245,7 @@
         <p:nvSpPr>
           <p:cNvPr id="3" name="Picture Placeholder 2"/>
           <p:cNvSpPr>
-            <a:spLocks noGrp="1" noChangeAspect="1"/>
+            <a:spLocks noGrp="1"/>
           </p:cNvSpPr>
           <p:nvPr>
             <p:ph type="pic" idx="1"/>
@@ -2545,32 +2253,16 @@
         </p:nvSpPr>
         <p:spPr>
           <a:xfrm>
-            <a:off x="0" y="0"/>
-            <a:ext cx="12192000" cy="5330952"/>
+            <a:off x="5181600" y="990600"/>
+            <a:ext cx="6172200" cy="4876800"/>
           </a:xfrm>
-          <a:blipFill>
-            <a:blip r:embed="rId2"/>
-            <a:stretch>
-              <a:fillRect/>
-            </a:stretch>
-          </a:blipFill>
         </p:spPr>
         <p:txBody>
-          <a:bodyPr anchor="t"/>
+          <a:bodyPr/>
           <a:lstStyle>
-            <a:lvl1pPr marL="0" indent="0" algn="ctr">
-              <a:spcBef>
-                <a:spcPts val="800"/>
-              </a:spcBef>
+            <a:lvl1pPr marL="0" indent="0">
               <a:buNone/>
-              <a:defRPr sz="3200">
-                <a:solidFill>
-                  <a:schemeClr val="tx1">
-                    <a:lumMod val="75000"/>
-                    <a:lumOff val="25000"/>
-                  </a:schemeClr>
-                </a:solidFill>
-              </a:defRPr>
+              <a:defRPr sz="3200"/>
             </a:lvl1pPr>
             <a:lvl2pPr marL="457200" indent="0">
               <a:buNone/>
@@ -2626,8 +2318,8 @@
         </p:nvSpPr>
         <p:spPr>
           <a:xfrm>
-            <a:off x="676656" y="5909735"/>
-            <a:ext cx="9229344" cy="533400"/>
+            <a:off x="841248" y="2057400"/>
+            <a:ext cx="3931920" cy="3810000"/>
           </a:xfrm>
         </p:spPr>
         <p:txBody>
@@ -2640,11 +2332,7 @@
                 <a:spcPct val="90000"/>
               </a:lnSpc>
               <a:buNone/>
-              <a:defRPr sz="1400">
-                <a:solidFill>
-                  <a:srgbClr val="262626"/>
-                </a:solidFill>
-              </a:defRPr>
+              <a:defRPr sz="1600"/>
             </a:lvl1pPr>
             <a:lvl2pPr marL="457200" indent="0">
               <a:buNone/>
@@ -2690,7 +2378,7 @@
       </p:sp>
       <p:sp>
         <p:nvSpPr>
-          <p:cNvPr id="12" name="Date Placeholder 11"/>
+          <p:cNvPr id="5" name="Date Placeholder 4"/>
           <p:cNvSpPr>
             <a:spLocks noGrp="1"/>
           </p:cNvSpPr>
@@ -2701,17 +2389,7 @@
         <p:spPr/>
         <p:txBody>
           <a:bodyPr/>
-          <a:lstStyle>
-            <a:lvl1pPr>
-              <a:defRPr>
-                <a:solidFill>
-                  <a:srgbClr val="FFFFFF">
-                    <a:alpha val="80000"/>
-                  </a:srgbClr>
-                </a:solidFill>
-              </a:defRPr>
-            </a:lvl1pPr>
-          </a:lstStyle>
+          <a:lstStyle/>
           <a:p>
             <a:fld id="{294C78A6-F6A0-4D3D-A31A-DDE82C9276DA}" type="datetimeFigureOut">
               <a:rPr lang="zh-CN" altLang="en-US" smtClean="0"/>
@@ -2723,7 +2401,7 @@
       </p:sp>
       <p:sp>
         <p:nvSpPr>
-          <p:cNvPr id="13" name="Footer Placeholder 12"/>
+          <p:cNvPr id="6" name="Footer Placeholder 5"/>
           <p:cNvSpPr>
             <a:spLocks noGrp="1"/>
           </p:cNvSpPr>
@@ -2734,17 +2412,7 @@
         <p:spPr/>
         <p:txBody>
           <a:bodyPr/>
-          <a:lstStyle>
-            <a:lvl1pPr>
-              <a:defRPr>
-                <a:solidFill>
-                  <a:srgbClr val="FFFFFF">
-                    <a:alpha val="80000"/>
-                  </a:srgbClr>
-                </a:solidFill>
-              </a:defRPr>
-            </a:lvl1pPr>
-          </a:lstStyle>
+          <a:lstStyle/>
           <a:p>
             <a:endParaRPr lang="zh-CN" altLang="en-US"/>
           </a:p>
@@ -2752,7 +2420,7 @@
       </p:sp>
       <p:sp>
         <p:nvSpPr>
-          <p:cNvPr id="14" name="Slide Number Placeholder 13"/>
+          <p:cNvPr id="7" name="Slide Number Placeholder 6"/>
           <p:cNvSpPr>
             <a:spLocks noGrp="1"/>
           </p:cNvSpPr>
@@ -2763,17 +2431,7 @@
         <p:spPr/>
         <p:txBody>
           <a:bodyPr/>
-          <a:lstStyle>
-            <a:lvl1pPr>
-              <a:defRPr>
-                <a:solidFill>
-                  <a:srgbClr val="FFFFFF">
-                    <a:alpha val="25000"/>
-                  </a:srgbClr>
-                </a:solidFill>
-              </a:defRPr>
-            </a:lvl1pPr>
-          </a:lstStyle>
+          <a:lstStyle/>
           <a:p>
             <a:fld id="{18599EFD-F570-4651-98E5-1DCB7CBBE113}" type="slidenum">
               <a:rPr lang="zh-CN" altLang="en-US" smtClean="0"/>
@@ -2786,18 +2444,18 @@
     </p:spTree>
     <p:extLst>
       <p:ext uri="{BB962C8B-B14F-4D97-AF65-F5344CB8AC3E}">
-        <p14:creationId xmlns:p14="http://schemas.microsoft.com/office/powerpoint/2010/main" val="1937558901"/>
+        <p14:creationId xmlns:p14="http://schemas.microsoft.com/office/powerpoint/2010/main" val="114152343"/>
       </p:ext>
     </p:extLst>
   </p:cSld>
   <p:clrMapOvr>
-    <a:overrideClrMapping bg1="lt1" tx1="dk1" bg2="lt2" tx2="dk2" accent1="accent1" accent2="accent2" accent3="accent3" accent4="accent4" accent5="accent5" accent6="accent6" hlink="hlink" folHlink="folHlink"/>
+    <a:masterClrMapping/>
   </p:clrMapOvr>
 </p:sldLayout>
 </file>
 
 <file path=ppt/slideMasters/slideMaster1.xml><?xml version="1.0" encoding="utf-8"?>
-<p:sldMaster xmlns:a="http://schemas.openxmlformats.org/drawingml/2006/main" xmlns:r="http://schemas.openxmlformats.org/officeDocument/2006/relationships" xmlns:p="http://schemas.openxmlformats.org/presentationml/2006/main">
+<p:sldMaster xmlns:a="http://schemas.openxmlformats.org/drawingml/2006/main" xmlns:r="http://schemas.openxmlformats.org/officeDocument/2006/relationships" xmlns:p="http://schemas.openxmlformats.org/presentationml/2006/main" preserve="1">
   <p:cSld>
     <p:bg>
       <p:bgRef idx="1001">
@@ -2830,8 +2488,8 @@
         </p:nvSpPr>
         <p:spPr>
           <a:xfrm>
-            <a:off x="657224" y="499533"/>
-            <a:ext cx="10772775" cy="1658198"/>
+            <a:off x="845127" y="365760"/>
+            <a:ext cx="10515600" cy="1325562"/>
           </a:xfrm>
           <a:prstGeom prst="rect">
             <a:avLst/>
@@ -2863,8 +2521,8 @@
         </p:nvSpPr>
         <p:spPr>
           <a:xfrm>
-            <a:off x="676656" y="2011680"/>
-            <a:ext cx="10753725" cy="3766185"/>
+            <a:off x="845127" y="1828800"/>
+            <a:ext cx="10515600" cy="4351337"/>
           </a:xfrm>
           <a:prstGeom prst="rect">
             <a:avLst/>
@@ -2925,8 +2583,8 @@
         </p:nvSpPr>
         <p:spPr>
           <a:xfrm>
-            <a:off x="685800" y="6412447"/>
-            <a:ext cx="4114800" cy="228600"/>
+            <a:off x="838200" y="6356350"/>
+            <a:ext cx="2743200" cy="365125"/>
           </a:xfrm>
           <a:prstGeom prst="rect">
             <a:avLst/>
@@ -2936,10 +2594,11 @@
           <a:bodyPr vert="horz" lIns="91440" tIns="45720" rIns="91440" bIns="45720" rtlCol="0" anchor="ctr"/>
           <a:lstStyle>
             <a:lvl1pPr algn="l">
-              <a:defRPr sz="950">
+              <a:defRPr sz="1100">
                 <a:solidFill>
                   <a:schemeClr val="tx1">
-                    <a:alpha val="80000"/>
+                    <a:lumMod val="65000"/>
+                    <a:lumOff val="35000"/>
                   </a:schemeClr>
                 </a:solidFill>
               </a:defRPr>
@@ -2966,8 +2625,8 @@
         </p:nvSpPr>
         <p:spPr>
           <a:xfrm>
-            <a:off x="685800" y="6554697"/>
-            <a:ext cx="5029200" cy="228600"/>
+            <a:off x="4038600" y="6356350"/>
+            <a:ext cx="4114800" cy="365125"/>
           </a:xfrm>
           <a:prstGeom prst="rect">
             <a:avLst/>
@@ -2976,11 +2635,12 @@
         <p:txBody>
           <a:bodyPr vert="horz" lIns="91440" tIns="45720" rIns="91440" bIns="45720" rtlCol="0" anchor="ctr"/>
           <a:lstStyle>
-            <a:lvl1pPr algn="l">
-              <a:defRPr sz="950" cap="all" baseline="0">
+            <a:lvl1pPr algn="ctr">
+              <a:defRPr sz="1100">
                 <a:solidFill>
                   <a:schemeClr val="tx1">
-                    <a:alpha val="80000"/>
+                    <a:lumMod val="65000"/>
+                    <a:lumOff val="35000"/>
                   </a:schemeClr>
                 </a:solidFill>
               </a:defRPr>
@@ -3003,27 +2663,23 @@
         </p:nvSpPr>
         <p:spPr>
           <a:xfrm>
-            <a:off x="8763926" y="5876412"/>
-            <a:ext cx="2926080" cy="1397039"/>
+            <a:off x="8617527" y="6356350"/>
+            <a:ext cx="2743200" cy="365125"/>
           </a:xfrm>
           <a:prstGeom prst="rect">
             <a:avLst/>
           </a:prstGeom>
         </p:spPr>
         <p:txBody>
-          <a:bodyPr vert="horz" lIns="91440" tIns="45720" rIns="91440" bIns="45720" rtlCol="0" anchor="b"/>
+          <a:bodyPr vert="horz" lIns="91440" tIns="45720" rIns="91440" bIns="45720" rtlCol="0" anchor="ctr"/>
           <a:lstStyle>
             <a:lvl1pPr algn="r">
-              <a:defRPr sz="10300" b="0">
-                <a:ln>
-                  <a:noFill/>
-                </a:ln>
+              <a:defRPr sz="1100">
                 <a:solidFill>
-                  <a:schemeClr val="accent1">
-                    <a:alpha val="25000"/>
+                  <a:schemeClr val="tx1">
+                    <a:tint val="75000"/>
                   </a:schemeClr>
                 </a:solidFill>
-                <a:latin typeface="+mj-lt"/>
               </a:defRPr>
             </a:lvl1pPr>
           </a:lstStyle>
@@ -3039,37 +2695,37 @@
     </p:spTree>
     <p:extLst>
       <p:ext uri="{BB962C8B-B14F-4D97-AF65-F5344CB8AC3E}">
-        <p14:creationId xmlns:p14="http://schemas.microsoft.com/office/powerpoint/2010/main" val="233836270"/>
+        <p14:creationId xmlns:p14="http://schemas.microsoft.com/office/powerpoint/2010/main" val="493728928"/>
       </p:ext>
     </p:extLst>
   </p:cSld>
   <p:clrMap bg1="lt1" tx1="dk1" bg2="lt2" tx2="dk2" accent1="accent1" accent2="accent2" accent3="accent3" accent4="accent4" accent5="accent5" accent6="accent6" hlink="hlink" folHlink="folHlink"/>
   <p:sldLayoutIdLst>
-    <p:sldLayoutId id="2147483661" r:id="rId1"/>
-    <p:sldLayoutId id="2147483662" r:id="rId2"/>
-    <p:sldLayoutId id="2147483663" r:id="rId3"/>
-    <p:sldLayoutId id="2147483664" r:id="rId4"/>
-    <p:sldLayoutId id="2147483665" r:id="rId5"/>
-    <p:sldLayoutId id="2147483666" r:id="rId6"/>
-    <p:sldLayoutId id="2147483667" r:id="rId7"/>
-    <p:sldLayoutId id="2147483668" r:id="rId8"/>
-    <p:sldLayoutId id="2147483669" r:id="rId9"/>
-    <p:sldLayoutId id="2147483670" r:id="rId10"/>
-    <p:sldLayoutId id="2147483671" r:id="rId11"/>
+    <p:sldLayoutId id="2147483673" r:id="rId1"/>
+    <p:sldLayoutId id="2147483674" r:id="rId2"/>
+    <p:sldLayoutId id="2147483675" r:id="rId3"/>
+    <p:sldLayoutId id="2147483676" r:id="rId4"/>
+    <p:sldLayoutId id="2147483677" r:id="rId5"/>
+    <p:sldLayoutId id="2147483678" r:id="rId6"/>
+    <p:sldLayoutId id="2147483679" r:id="rId7"/>
+    <p:sldLayoutId id="2147483680" r:id="rId8"/>
+    <p:sldLayoutId id="2147483681" r:id="rId9"/>
+    <p:sldLayoutId id="2147483682" r:id="rId10"/>
+    <p:sldLayoutId id="2147483683" r:id="rId11"/>
   </p:sldLayoutIdLst>
   <p:txStyles>
     <p:titleStyle>
       <a:lvl1pPr algn="l" defTabSz="914400" rtl="0" eaLnBrk="1" latinLnBrk="0" hangingPunct="1">
         <a:lnSpc>
-          <a:spcPct val="85000"/>
+          <a:spcPct val="90000"/>
         </a:lnSpc>
         <a:spcBef>
           <a:spcPct val="0"/>
         </a:spcBef>
         <a:buNone/>
-        <a:defRPr sz="5400" kern="1200" spc="-120" baseline="0">
+        <a:defRPr sz="4400" kern="1200">
           <a:solidFill>
-            <a:schemeClr val="accent1"/>
+            <a:schemeClr val="tx1"/>
           </a:solidFill>
           <a:latin typeface="+mj-lt"/>
           <a:ea typeface="+mj-ea"/>
@@ -3078,189 +2734,150 @@
       </a:lvl1pPr>
     </p:titleStyle>
     <p:bodyStyle>
-      <a:lvl1pPr marL="91440" indent="-91440" algn="l" defTabSz="914400" rtl="0" eaLnBrk="1" latinLnBrk="0" hangingPunct="1">
+      <a:lvl1pPr marL="228600" indent="-228600" algn="l" defTabSz="914400" rtl="0" eaLnBrk="1" latinLnBrk="0" hangingPunct="1">
         <a:lnSpc>
-          <a:spcPct val="85000"/>
+          <a:spcPct val="90000"/>
         </a:lnSpc>
         <a:spcBef>
-          <a:spcPts val="1300"/>
+          <a:spcPts val="1000"/>
         </a:spcBef>
-        <a:buFont typeface="Arial" pitchFamily="34" charset="0"/>
-        <a:buChar char=" "/>
-        <a:defRPr sz="2400" kern="1200">
+        <a:buFont typeface="Wingdings 2" pitchFamily="18" charset="2"/>
+        <a:buChar char=""/>
+        <a:defRPr sz="2800" kern="1200">
           <a:solidFill>
-            <a:schemeClr val="tx1">
-              <a:lumMod val="85000"/>
-              <a:lumOff val="15000"/>
-            </a:schemeClr>
+            <a:schemeClr val="tx1"/>
           </a:solidFill>
           <a:latin typeface="+mn-lt"/>
           <a:ea typeface="+mn-ea"/>
           <a:cs typeface="+mn-cs"/>
         </a:defRPr>
       </a:lvl1pPr>
-      <a:lvl2pPr marL="347472" indent="-342900" algn="l" defTabSz="914400" rtl="0" eaLnBrk="1" latinLnBrk="0" hangingPunct="1">
+      <a:lvl2pPr marL="685800" indent="-228600" algn="l" defTabSz="914400" rtl="0" eaLnBrk="1" latinLnBrk="0" hangingPunct="1">
         <a:lnSpc>
-          <a:spcPct val="85000"/>
+          <a:spcPct val="90000"/>
         </a:lnSpc>
         <a:spcBef>
-          <a:spcPts val="600"/>
+          <a:spcPts val="500"/>
         </a:spcBef>
-        <a:buFont typeface="Arial" pitchFamily="34" charset="0"/>
-        <a:buChar char=" "/>
+        <a:buFont typeface="Wingdings 2" pitchFamily="18" charset="2"/>
+        <a:buChar char=""/>
         <a:defRPr sz="2400" kern="1200">
           <a:solidFill>
-            <a:schemeClr val="tx1">
-              <a:lumMod val="85000"/>
-              <a:lumOff val="15000"/>
-            </a:schemeClr>
+            <a:schemeClr val="tx1"/>
           </a:solidFill>
           <a:latin typeface="+mn-lt"/>
           <a:ea typeface="+mn-ea"/>
           <a:cs typeface="+mn-cs"/>
         </a:defRPr>
       </a:lvl2pPr>
-      <a:lvl3pPr marL="548640" indent="-548640" algn="l" defTabSz="914400" rtl="0" eaLnBrk="1" latinLnBrk="0" hangingPunct="1">
+      <a:lvl3pPr marL="1143000" indent="-228600" algn="l" defTabSz="914400" rtl="0" eaLnBrk="1" latinLnBrk="0" hangingPunct="1">
         <a:lnSpc>
-          <a:spcPct val="85000"/>
+          <a:spcPct val="90000"/>
         </a:lnSpc>
         <a:spcBef>
-          <a:spcPts val="600"/>
+          <a:spcPts val="500"/>
         </a:spcBef>
-        <a:buFont typeface="Arial" pitchFamily="34" charset="0"/>
-        <a:buChar char=" "/>
-        <a:defRPr sz="2000" i="1" kern="1200">
+        <a:buFont typeface="Wingdings 2" pitchFamily="18" charset="2"/>
+        <a:buChar char=""/>
+        <a:defRPr sz="2000" kern="1200">
           <a:solidFill>
-            <a:schemeClr val="tx1">
-              <a:lumMod val="85000"/>
-              <a:lumOff val="15000"/>
-            </a:schemeClr>
+            <a:schemeClr val="tx1"/>
           </a:solidFill>
           <a:latin typeface="+mn-lt"/>
           <a:ea typeface="+mn-ea"/>
           <a:cs typeface="+mn-cs"/>
         </a:defRPr>
       </a:lvl3pPr>
-      <a:lvl4pPr marL="822960" indent="-822960" algn="l" defTabSz="914400" rtl="0" eaLnBrk="1" latinLnBrk="0" hangingPunct="1">
+      <a:lvl4pPr marL="1600200" indent="-228600" algn="l" defTabSz="914400" rtl="0" eaLnBrk="1" latinLnBrk="0" hangingPunct="1">
         <a:lnSpc>
-          <a:spcPct val="85000"/>
+          <a:spcPct val="90000"/>
         </a:lnSpc>
         <a:spcBef>
-          <a:spcPts val="600"/>
+          <a:spcPts val="500"/>
         </a:spcBef>
-        <a:buFont typeface="Arial" pitchFamily="34" charset="0"/>
-        <a:buChar char=" "/>
+        <a:buFont typeface="Wingdings 2" pitchFamily="18" charset="2"/>
+        <a:buChar char=""/>
         <a:defRPr sz="1800" kern="1200">
           <a:solidFill>
-            <a:schemeClr val="tx1">
-              <a:lumMod val="85000"/>
-              <a:lumOff val="15000"/>
-            </a:schemeClr>
+            <a:schemeClr val="tx1"/>
           </a:solidFill>
           <a:latin typeface="+mn-lt"/>
           <a:ea typeface="+mn-ea"/>
           <a:cs typeface="+mn-cs"/>
         </a:defRPr>
       </a:lvl4pPr>
-      <a:lvl5pPr marL="1097280" indent="-1097280" algn="l" defTabSz="914400" rtl="0" eaLnBrk="1" latinLnBrk="0" hangingPunct="1">
+      <a:lvl5pPr marL="2057400" indent="-228600" algn="l" defTabSz="914400" rtl="0" eaLnBrk="1" latinLnBrk="0" hangingPunct="1">
         <a:lnSpc>
-          <a:spcPct val="85000"/>
+          <a:spcPct val="90000"/>
         </a:lnSpc>
         <a:spcBef>
-          <a:spcPts val="600"/>
+          <a:spcPts val="500"/>
         </a:spcBef>
-        <a:buFont typeface="Arial" pitchFamily="34" charset="0"/>
-        <a:buChar char=" "/>
+        <a:buFont typeface="Wingdings 2" pitchFamily="18" charset="2"/>
+        <a:buChar char=""/>
         <a:defRPr sz="1800" kern="1200">
           <a:solidFill>
-            <a:schemeClr val="tx1">
-              <a:lumMod val="85000"/>
-              <a:lumOff val="15000"/>
-            </a:schemeClr>
+            <a:schemeClr val="tx1"/>
           </a:solidFill>
           <a:latin typeface="+mn-lt"/>
           <a:ea typeface="+mn-ea"/>
           <a:cs typeface="+mn-cs"/>
         </a:defRPr>
       </a:lvl5pPr>
-      <a:lvl6pPr marL="1200000" indent="-228600" algn="l" defTabSz="914400" rtl="0" eaLnBrk="1" latinLnBrk="0" hangingPunct="1">
-        <a:lnSpc>
-          <a:spcPct val="85000"/>
-        </a:lnSpc>
+      <a:lvl6pPr marL="2514600" indent="-228600" algn="l" defTabSz="914400" rtl="0" eaLnBrk="1" latinLnBrk="0" hangingPunct="1">
         <a:spcBef>
-          <a:spcPts val="600"/>
+          <a:spcPct val="20000"/>
         </a:spcBef>
-        <a:buFont typeface="Arial" pitchFamily="34" charset="0"/>
-        <a:buChar char=" "/>
+        <a:buFont typeface="Wingdings 2" pitchFamily="18" charset="2"/>
+        <a:buChar char=""/>
         <a:defRPr sz="1800" kern="1200">
           <a:solidFill>
-            <a:schemeClr val="tx1">
-              <a:lumMod val="85000"/>
-              <a:lumOff val="15000"/>
-            </a:schemeClr>
+            <a:schemeClr val="tx1"/>
           </a:solidFill>
           <a:latin typeface="+mn-lt"/>
           <a:ea typeface="+mn-ea"/>
           <a:cs typeface="+mn-cs"/>
         </a:defRPr>
       </a:lvl6pPr>
-      <a:lvl7pPr marL="1400000" indent="-228600" algn="l" defTabSz="914400" rtl="0" eaLnBrk="1" latinLnBrk="0" hangingPunct="1">
-        <a:lnSpc>
-          <a:spcPct val="85000"/>
-        </a:lnSpc>
+      <a:lvl7pPr marL="2971800" indent="-228600" algn="l" defTabSz="914400" rtl="0" eaLnBrk="1" latinLnBrk="0" hangingPunct="1">
         <a:spcBef>
-          <a:spcPts val="600"/>
+          <a:spcPct val="20000"/>
         </a:spcBef>
-        <a:buFont typeface="Arial" pitchFamily="34" charset="0"/>
-        <a:buChar char=" "/>
+        <a:buFont typeface="Wingdings 2" pitchFamily="18" charset="2"/>
+        <a:buChar char=""/>
         <a:defRPr sz="1800" kern="1200">
           <a:solidFill>
-            <a:schemeClr val="tx1">
-              <a:lumMod val="85000"/>
-              <a:lumOff val="15000"/>
-            </a:schemeClr>
+            <a:schemeClr val="tx1"/>
           </a:solidFill>
           <a:latin typeface="+mn-lt"/>
           <a:ea typeface="+mn-ea"/>
           <a:cs typeface="+mn-cs"/>
         </a:defRPr>
       </a:lvl7pPr>
-      <a:lvl8pPr marL="1600000" indent="-228600" algn="l" defTabSz="914400" rtl="0" eaLnBrk="1" latinLnBrk="0" hangingPunct="1">
-        <a:lnSpc>
-          <a:spcPct val="85000"/>
-        </a:lnSpc>
+      <a:lvl8pPr marL="3429000" indent="-228600" algn="l" defTabSz="914400" rtl="0" eaLnBrk="1" latinLnBrk="0" hangingPunct="1">
         <a:spcBef>
-          <a:spcPts val="600"/>
+          <a:spcPct val="20000"/>
         </a:spcBef>
-        <a:buFont typeface="Arial" pitchFamily="34" charset="0"/>
-        <a:buChar char=" "/>
+        <a:buFont typeface="Wingdings 2" pitchFamily="18" charset="2"/>
+        <a:buChar char=""/>
         <a:defRPr sz="1800" kern="1200">
           <a:solidFill>
-            <a:schemeClr val="tx1">
-              <a:lumMod val="85000"/>
-              <a:lumOff val="15000"/>
-            </a:schemeClr>
+            <a:schemeClr val="tx1"/>
           </a:solidFill>
           <a:latin typeface="+mn-lt"/>
           <a:ea typeface="+mn-ea"/>
           <a:cs typeface="+mn-cs"/>
         </a:defRPr>
       </a:lvl8pPr>
-      <a:lvl9pPr marL="1800000" indent="-228600" algn="l" defTabSz="914400" rtl="0" eaLnBrk="1" latinLnBrk="0" hangingPunct="1">
-        <a:lnSpc>
-          <a:spcPct val="85000"/>
-        </a:lnSpc>
+      <a:lvl9pPr marL="3886200" indent="-228600" algn="l" defTabSz="914400" rtl="0" eaLnBrk="1" latinLnBrk="0" hangingPunct="1">
         <a:spcBef>
-          <a:spcPts val="600"/>
+          <a:spcPct val="20000"/>
         </a:spcBef>
-        <a:buFont typeface="Arial" pitchFamily="34" charset="0"/>
-        <a:buChar char=" "/>
+        <a:buFont typeface="Wingdings 2" pitchFamily="18" charset="2"/>
+        <a:buChar char=""/>
         <a:defRPr sz="1800" kern="1200">
           <a:solidFill>
-            <a:schemeClr val="tx1">
-              <a:lumMod val="85000"/>
-              <a:lumOff val="15000"/>
-            </a:schemeClr>
+            <a:schemeClr val="tx1"/>
           </a:solidFill>
           <a:latin typeface="+mn-lt"/>
           <a:ea typeface="+mn-ea"/>
@@ -3392,8 +3009,8 @@
         </p:nvSpPr>
         <p:spPr>
           <a:xfrm>
-            <a:off x="1212574" y="1689651"/>
-            <a:ext cx="2756452" cy="2756452"/>
+            <a:off x="1772530" y="1859592"/>
+            <a:ext cx="3094582" cy="3094582"/>
           </a:xfrm>
           <a:custGeom>
             <a:avLst/>
@@ -4272,6 +3889,1225 @@
           <a:p>
             <a:pPr algn="ctr"/>
             <a:endParaRPr lang="zh-CN" altLang="en-US" dirty="0"/>
+          </a:p>
+        </p:txBody>
+      </p:sp>
+      <p:sp>
+        <p:nvSpPr>
+          <p:cNvPr id="11" name="任意多边形: 形状 10"/>
+          <p:cNvSpPr/>
+          <p:nvPr/>
+        </p:nvSpPr>
+        <p:spPr>
+          <a:xfrm>
+            <a:off x="7244552" y="1184032"/>
+            <a:ext cx="3770142" cy="3770142"/>
+          </a:xfrm>
+          <a:custGeom>
+            <a:avLst/>
+            <a:gdLst>
+              <a:gd name="connsiteX0" fmla="*/ 1879796 w 3770142"/>
+              <a:gd name="connsiteY0" fmla="*/ 536334 h 3770142"/>
+              <a:gd name="connsiteX1" fmla="*/ 531057 w 3770142"/>
+              <a:gd name="connsiteY1" fmla="*/ 1885073 h 3770142"/>
+              <a:gd name="connsiteX2" fmla="*/ 1879796 w 3770142"/>
+              <a:gd name="connsiteY2" fmla="*/ 3233812 h 3770142"/>
+              <a:gd name="connsiteX3" fmla="*/ 3228535 w 3770142"/>
+              <a:gd name="connsiteY3" fmla="*/ 1885073 h 3770142"/>
+              <a:gd name="connsiteX4" fmla="*/ 1879796 w 3770142"/>
+              <a:gd name="connsiteY4" fmla="*/ 536334 h 3770142"/>
+              <a:gd name="connsiteX5" fmla="*/ 1885071 w 3770142"/>
+              <a:gd name="connsiteY5" fmla="*/ 0 h 3770142"/>
+              <a:gd name="connsiteX6" fmla="*/ 1937052 w 3770142"/>
+              <a:gd name="connsiteY6" fmla="*/ 2625 h 3770142"/>
+              <a:gd name="connsiteX7" fmla="*/ 2026791 w 3770142"/>
+              <a:gd name="connsiteY7" fmla="*/ 328956 h 3770142"/>
+              <a:gd name="connsiteX8" fmla="*/ 2044907 w 3770142"/>
+              <a:gd name="connsiteY8" fmla="*/ 329871 h 3770142"/>
+              <a:gd name="connsiteX9" fmla="*/ 2150538 w 3770142"/>
+              <a:gd name="connsiteY9" fmla="*/ 345992 h 3770142"/>
+              <a:gd name="connsiteX10" fmla="*/ 2322250 w 3770142"/>
+              <a:gd name="connsiteY10" fmla="*/ 53024 h 3770142"/>
+              <a:gd name="connsiteX11" fmla="*/ 2422482 w 3770142"/>
+              <a:gd name="connsiteY11" fmla="*/ 78796 h 3770142"/>
+              <a:gd name="connsiteX12" fmla="*/ 2424713 w 3770142"/>
+              <a:gd name="connsiteY12" fmla="*/ 419449 h 3770142"/>
+              <a:gd name="connsiteX13" fmla="*/ 2493567 w 3770142"/>
+              <a:gd name="connsiteY13" fmla="*/ 444650 h 3770142"/>
+              <a:gd name="connsiteX14" fmla="*/ 2539966 w 3770142"/>
+              <a:gd name="connsiteY14" fmla="*/ 467001 h 3770142"/>
+              <a:gd name="connsiteX15" fmla="*/ 2782940 w 3770142"/>
+              <a:gd name="connsiteY15" fmla="*/ 227196 h 3770142"/>
+              <a:gd name="connsiteX16" fmla="*/ 2783608 w 3770142"/>
+              <a:gd name="connsiteY16" fmla="*/ 227518 h 3770142"/>
+              <a:gd name="connsiteX17" fmla="*/ 2871313 w 3770142"/>
+              <a:gd name="connsiteY17" fmla="*/ 280800 h 3770142"/>
+              <a:gd name="connsiteX18" fmla="*/ 2785751 w 3770142"/>
+              <a:gd name="connsiteY18" fmla="*/ 608704 h 3770142"/>
+              <a:gd name="connsiteX19" fmla="*/ 2879457 w 3770142"/>
+              <a:gd name="connsiteY19" fmla="*/ 678775 h 3770142"/>
+              <a:gd name="connsiteX20" fmla="*/ 2885560 w 3770142"/>
+              <a:gd name="connsiteY20" fmla="*/ 684323 h 3770142"/>
+              <a:gd name="connsiteX21" fmla="*/ 3179539 w 3770142"/>
+              <a:gd name="connsiteY21" fmla="*/ 517153 h 3770142"/>
+              <a:gd name="connsiteX22" fmla="*/ 3218018 w 3770142"/>
+              <a:gd name="connsiteY22" fmla="*/ 552125 h 3770142"/>
+              <a:gd name="connsiteX23" fmla="*/ 3252990 w 3770142"/>
+              <a:gd name="connsiteY23" fmla="*/ 590604 h 3770142"/>
+              <a:gd name="connsiteX24" fmla="*/ 3085821 w 3770142"/>
+              <a:gd name="connsiteY24" fmla="*/ 884583 h 3770142"/>
+              <a:gd name="connsiteX25" fmla="*/ 3091367 w 3770142"/>
+              <a:gd name="connsiteY25" fmla="*/ 890686 h 3770142"/>
+              <a:gd name="connsiteX26" fmla="*/ 3161439 w 3770142"/>
+              <a:gd name="connsiteY26" fmla="*/ 984392 h 3770142"/>
+              <a:gd name="connsiteX27" fmla="*/ 3489343 w 3770142"/>
+              <a:gd name="connsiteY27" fmla="*/ 898830 h 3770142"/>
+              <a:gd name="connsiteX28" fmla="*/ 3542624 w 3770142"/>
+              <a:gd name="connsiteY28" fmla="*/ 986534 h 3770142"/>
+              <a:gd name="connsiteX29" fmla="*/ 3542947 w 3770142"/>
+              <a:gd name="connsiteY29" fmla="*/ 987204 h 3770142"/>
+              <a:gd name="connsiteX30" fmla="*/ 3303142 w 3770142"/>
+              <a:gd name="connsiteY30" fmla="*/ 1230178 h 3770142"/>
+              <a:gd name="connsiteX31" fmla="*/ 3325493 w 3770142"/>
+              <a:gd name="connsiteY31" fmla="*/ 1276575 h 3770142"/>
+              <a:gd name="connsiteX32" fmla="*/ 3350694 w 3770142"/>
+              <a:gd name="connsiteY32" fmla="*/ 1345430 h 3770142"/>
+              <a:gd name="connsiteX33" fmla="*/ 3691346 w 3770142"/>
+              <a:gd name="connsiteY33" fmla="*/ 1347661 h 3770142"/>
+              <a:gd name="connsiteX34" fmla="*/ 3717119 w 3770142"/>
+              <a:gd name="connsiteY34" fmla="*/ 1447893 h 3770142"/>
+              <a:gd name="connsiteX35" fmla="*/ 3424150 w 3770142"/>
+              <a:gd name="connsiteY35" fmla="*/ 1619606 h 3770142"/>
+              <a:gd name="connsiteX36" fmla="*/ 3440271 w 3770142"/>
+              <a:gd name="connsiteY36" fmla="*/ 1725236 h 3770142"/>
+              <a:gd name="connsiteX37" fmla="*/ 3441186 w 3770142"/>
+              <a:gd name="connsiteY37" fmla="*/ 1743352 h 3770142"/>
+              <a:gd name="connsiteX38" fmla="*/ 3767518 w 3770142"/>
+              <a:gd name="connsiteY38" fmla="*/ 1833092 h 3770142"/>
+              <a:gd name="connsiteX39" fmla="*/ 3770142 w 3770142"/>
+              <a:gd name="connsiteY39" fmla="*/ 1885071 h 3770142"/>
+              <a:gd name="connsiteX40" fmla="*/ 3767517 w 3770142"/>
+              <a:gd name="connsiteY40" fmla="*/ 1937052 h 3770142"/>
+              <a:gd name="connsiteX41" fmla="*/ 3441186 w 3770142"/>
+              <a:gd name="connsiteY41" fmla="*/ 2026791 h 3770142"/>
+              <a:gd name="connsiteX42" fmla="*/ 3440271 w 3770142"/>
+              <a:gd name="connsiteY42" fmla="*/ 2044907 h 3770142"/>
+              <a:gd name="connsiteX43" fmla="*/ 3424150 w 3770142"/>
+              <a:gd name="connsiteY43" fmla="*/ 2150538 h 3770142"/>
+              <a:gd name="connsiteX44" fmla="*/ 3717118 w 3770142"/>
+              <a:gd name="connsiteY44" fmla="*/ 2322250 h 3770142"/>
+              <a:gd name="connsiteX45" fmla="*/ 3691346 w 3770142"/>
+              <a:gd name="connsiteY45" fmla="*/ 2422482 h 3770142"/>
+              <a:gd name="connsiteX46" fmla="*/ 3350693 w 3770142"/>
+              <a:gd name="connsiteY46" fmla="*/ 2424714 h 3770142"/>
+              <a:gd name="connsiteX47" fmla="*/ 3325493 w 3770142"/>
+              <a:gd name="connsiteY47" fmla="*/ 2493567 h 3770142"/>
+              <a:gd name="connsiteX48" fmla="*/ 3303141 w 3770142"/>
+              <a:gd name="connsiteY48" fmla="*/ 2539965 h 3770142"/>
+              <a:gd name="connsiteX49" fmla="*/ 3542947 w 3770142"/>
+              <a:gd name="connsiteY49" fmla="*/ 2782939 h 3770142"/>
+              <a:gd name="connsiteX50" fmla="*/ 3542624 w 3770142"/>
+              <a:gd name="connsiteY50" fmla="*/ 2783608 h 3770142"/>
+              <a:gd name="connsiteX51" fmla="*/ 3489342 w 3770142"/>
+              <a:gd name="connsiteY51" fmla="*/ 2871313 h 3770142"/>
+              <a:gd name="connsiteX52" fmla="*/ 3161439 w 3770142"/>
+              <a:gd name="connsiteY52" fmla="*/ 2785751 h 3770142"/>
+              <a:gd name="connsiteX53" fmla="*/ 3091367 w 3770142"/>
+              <a:gd name="connsiteY53" fmla="*/ 2879457 h 3770142"/>
+              <a:gd name="connsiteX54" fmla="*/ 3085820 w 3770142"/>
+              <a:gd name="connsiteY54" fmla="*/ 2885560 h 3770142"/>
+              <a:gd name="connsiteX55" fmla="*/ 3252990 w 3770142"/>
+              <a:gd name="connsiteY55" fmla="*/ 3179538 h 3770142"/>
+              <a:gd name="connsiteX56" fmla="*/ 3218018 w 3770142"/>
+              <a:gd name="connsiteY56" fmla="*/ 3218018 h 3770142"/>
+              <a:gd name="connsiteX57" fmla="*/ 3179538 w 3770142"/>
+              <a:gd name="connsiteY57" fmla="*/ 3252990 h 3770142"/>
+              <a:gd name="connsiteX58" fmla="*/ 2885560 w 3770142"/>
+              <a:gd name="connsiteY58" fmla="*/ 3085821 h 3770142"/>
+              <a:gd name="connsiteX59" fmla="*/ 2879457 w 3770142"/>
+              <a:gd name="connsiteY59" fmla="*/ 3091367 h 3770142"/>
+              <a:gd name="connsiteX60" fmla="*/ 2785751 w 3770142"/>
+              <a:gd name="connsiteY60" fmla="*/ 3161439 h 3770142"/>
+              <a:gd name="connsiteX61" fmla="*/ 2871313 w 3770142"/>
+              <a:gd name="connsiteY61" fmla="*/ 3489342 h 3770142"/>
+              <a:gd name="connsiteX62" fmla="*/ 2783608 w 3770142"/>
+              <a:gd name="connsiteY62" fmla="*/ 3542624 h 3770142"/>
+              <a:gd name="connsiteX63" fmla="*/ 2782939 w 3770142"/>
+              <a:gd name="connsiteY63" fmla="*/ 3542947 h 3770142"/>
+              <a:gd name="connsiteX64" fmla="*/ 2539965 w 3770142"/>
+              <a:gd name="connsiteY64" fmla="*/ 3303141 h 3770142"/>
+              <a:gd name="connsiteX65" fmla="*/ 2493567 w 3770142"/>
+              <a:gd name="connsiteY65" fmla="*/ 3325493 h 3770142"/>
+              <a:gd name="connsiteX66" fmla="*/ 2424713 w 3770142"/>
+              <a:gd name="connsiteY66" fmla="*/ 3350693 h 3770142"/>
+              <a:gd name="connsiteX67" fmla="*/ 2422482 w 3770142"/>
+              <a:gd name="connsiteY67" fmla="*/ 3691346 h 3770142"/>
+              <a:gd name="connsiteX68" fmla="*/ 2322250 w 3770142"/>
+              <a:gd name="connsiteY68" fmla="*/ 3717118 h 3770142"/>
+              <a:gd name="connsiteX69" fmla="*/ 2150538 w 3770142"/>
+              <a:gd name="connsiteY69" fmla="*/ 3424150 h 3770142"/>
+              <a:gd name="connsiteX70" fmla="*/ 2044907 w 3770142"/>
+              <a:gd name="connsiteY70" fmla="*/ 3440271 h 3770142"/>
+              <a:gd name="connsiteX71" fmla="*/ 2026791 w 3770142"/>
+              <a:gd name="connsiteY71" fmla="*/ 3441186 h 3770142"/>
+              <a:gd name="connsiteX72" fmla="*/ 1937052 w 3770142"/>
+              <a:gd name="connsiteY72" fmla="*/ 3767517 h 3770142"/>
+              <a:gd name="connsiteX73" fmla="*/ 1885071 w 3770142"/>
+              <a:gd name="connsiteY73" fmla="*/ 3770142 h 3770142"/>
+              <a:gd name="connsiteX74" fmla="*/ 1833092 w 3770142"/>
+              <a:gd name="connsiteY74" fmla="*/ 3767518 h 3770142"/>
+              <a:gd name="connsiteX75" fmla="*/ 1743352 w 3770142"/>
+              <a:gd name="connsiteY75" fmla="*/ 3441186 h 3770142"/>
+              <a:gd name="connsiteX76" fmla="*/ 1725236 w 3770142"/>
+              <a:gd name="connsiteY76" fmla="*/ 3440271 h 3770142"/>
+              <a:gd name="connsiteX77" fmla="*/ 1619606 w 3770142"/>
+              <a:gd name="connsiteY77" fmla="*/ 3424150 h 3770142"/>
+              <a:gd name="connsiteX78" fmla="*/ 1447893 w 3770142"/>
+              <a:gd name="connsiteY78" fmla="*/ 3717119 h 3770142"/>
+              <a:gd name="connsiteX79" fmla="*/ 1347661 w 3770142"/>
+              <a:gd name="connsiteY79" fmla="*/ 3691346 h 3770142"/>
+              <a:gd name="connsiteX80" fmla="*/ 1345430 w 3770142"/>
+              <a:gd name="connsiteY80" fmla="*/ 3350694 h 3770142"/>
+              <a:gd name="connsiteX81" fmla="*/ 1276575 w 3770142"/>
+              <a:gd name="connsiteY81" fmla="*/ 3325493 h 3770142"/>
+              <a:gd name="connsiteX82" fmla="*/ 1230178 w 3770142"/>
+              <a:gd name="connsiteY82" fmla="*/ 3303142 h 3770142"/>
+              <a:gd name="connsiteX83" fmla="*/ 987204 w 3770142"/>
+              <a:gd name="connsiteY83" fmla="*/ 3542947 h 3770142"/>
+              <a:gd name="connsiteX84" fmla="*/ 986534 w 3770142"/>
+              <a:gd name="connsiteY84" fmla="*/ 3542624 h 3770142"/>
+              <a:gd name="connsiteX85" fmla="*/ 898830 w 3770142"/>
+              <a:gd name="connsiteY85" fmla="*/ 3489343 h 3770142"/>
+              <a:gd name="connsiteX86" fmla="*/ 984392 w 3770142"/>
+              <a:gd name="connsiteY86" fmla="*/ 3161440 h 3770142"/>
+              <a:gd name="connsiteX87" fmla="*/ 890685 w 3770142"/>
+              <a:gd name="connsiteY87" fmla="*/ 3091367 h 3770142"/>
+              <a:gd name="connsiteX88" fmla="*/ 884583 w 3770142"/>
+              <a:gd name="connsiteY88" fmla="*/ 3085821 h 3770142"/>
+              <a:gd name="connsiteX89" fmla="*/ 590604 w 3770142"/>
+              <a:gd name="connsiteY89" fmla="*/ 3252991 h 3770142"/>
+              <a:gd name="connsiteX90" fmla="*/ 552125 w 3770142"/>
+              <a:gd name="connsiteY90" fmla="*/ 3218018 h 3770142"/>
+              <a:gd name="connsiteX91" fmla="*/ 517153 w 3770142"/>
+              <a:gd name="connsiteY91" fmla="*/ 3179539 h 3770142"/>
+              <a:gd name="connsiteX92" fmla="*/ 684322 w 3770142"/>
+              <a:gd name="connsiteY92" fmla="*/ 2885561 h 3770142"/>
+              <a:gd name="connsiteX93" fmla="*/ 678775 w 3770142"/>
+              <a:gd name="connsiteY93" fmla="*/ 2879457 h 3770142"/>
+              <a:gd name="connsiteX94" fmla="*/ 608704 w 3770142"/>
+              <a:gd name="connsiteY94" fmla="*/ 2785752 h 3770142"/>
+              <a:gd name="connsiteX95" fmla="*/ 280800 w 3770142"/>
+              <a:gd name="connsiteY95" fmla="*/ 2871313 h 3770142"/>
+              <a:gd name="connsiteX96" fmla="*/ 227518 w 3770142"/>
+              <a:gd name="connsiteY96" fmla="*/ 2783608 h 3770142"/>
+              <a:gd name="connsiteX97" fmla="*/ 227196 w 3770142"/>
+              <a:gd name="connsiteY97" fmla="*/ 2782940 h 3770142"/>
+              <a:gd name="connsiteX98" fmla="*/ 467001 w 3770142"/>
+              <a:gd name="connsiteY98" fmla="*/ 2539966 h 3770142"/>
+              <a:gd name="connsiteX99" fmla="*/ 444650 w 3770142"/>
+              <a:gd name="connsiteY99" fmla="*/ 2493567 h 3770142"/>
+              <a:gd name="connsiteX100" fmla="*/ 419449 w 3770142"/>
+              <a:gd name="connsiteY100" fmla="*/ 2424714 h 3770142"/>
+              <a:gd name="connsiteX101" fmla="*/ 78796 w 3770142"/>
+              <a:gd name="connsiteY101" fmla="*/ 2422482 h 3770142"/>
+              <a:gd name="connsiteX102" fmla="*/ 53024 w 3770142"/>
+              <a:gd name="connsiteY102" fmla="*/ 2322250 h 3770142"/>
+              <a:gd name="connsiteX103" fmla="*/ 345992 w 3770142"/>
+              <a:gd name="connsiteY103" fmla="*/ 2150538 h 3770142"/>
+              <a:gd name="connsiteX104" fmla="*/ 329871 w 3770142"/>
+              <a:gd name="connsiteY104" fmla="*/ 2044907 h 3770142"/>
+              <a:gd name="connsiteX105" fmla="*/ 328956 w 3770142"/>
+              <a:gd name="connsiteY105" fmla="*/ 2026791 h 3770142"/>
+              <a:gd name="connsiteX106" fmla="*/ 2625 w 3770142"/>
+              <a:gd name="connsiteY106" fmla="*/ 1937052 h 3770142"/>
+              <a:gd name="connsiteX107" fmla="*/ 0 w 3770142"/>
+              <a:gd name="connsiteY107" fmla="*/ 1885071 h 3770142"/>
+              <a:gd name="connsiteX108" fmla="*/ 2625 w 3770142"/>
+              <a:gd name="connsiteY108" fmla="*/ 1833092 h 3770142"/>
+              <a:gd name="connsiteX109" fmla="*/ 328956 w 3770142"/>
+              <a:gd name="connsiteY109" fmla="*/ 1743353 h 3770142"/>
+              <a:gd name="connsiteX110" fmla="*/ 329871 w 3770142"/>
+              <a:gd name="connsiteY110" fmla="*/ 1725236 h 3770142"/>
+              <a:gd name="connsiteX111" fmla="*/ 345992 w 3770142"/>
+              <a:gd name="connsiteY111" fmla="*/ 1619605 h 3770142"/>
+              <a:gd name="connsiteX112" fmla="*/ 53024 w 3770142"/>
+              <a:gd name="connsiteY112" fmla="*/ 1447893 h 3770142"/>
+              <a:gd name="connsiteX113" fmla="*/ 78796 w 3770142"/>
+              <a:gd name="connsiteY113" fmla="*/ 1347661 h 3770142"/>
+              <a:gd name="connsiteX114" fmla="*/ 419449 w 3770142"/>
+              <a:gd name="connsiteY114" fmla="*/ 1345430 h 3770142"/>
+              <a:gd name="connsiteX115" fmla="*/ 444650 w 3770142"/>
+              <a:gd name="connsiteY115" fmla="*/ 1276575 h 3770142"/>
+              <a:gd name="connsiteX116" fmla="*/ 467001 w 3770142"/>
+              <a:gd name="connsiteY116" fmla="*/ 1230177 h 3770142"/>
+              <a:gd name="connsiteX117" fmla="*/ 227196 w 3770142"/>
+              <a:gd name="connsiteY117" fmla="*/ 987203 h 3770142"/>
+              <a:gd name="connsiteX118" fmla="*/ 227518 w 3770142"/>
+              <a:gd name="connsiteY118" fmla="*/ 986534 h 3770142"/>
+              <a:gd name="connsiteX119" fmla="*/ 280800 w 3770142"/>
+              <a:gd name="connsiteY119" fmla="*/ 898830 h 3770142"/>
+              <a:gd name="connsiteX120" fmla="*/ 608703 w 3770142"/>
+              <a:gd name="connsiteY120" fmla="*/ 984392 h 3770142"/>
+              <a:gd name="connsiteX121" fmla="*/ 678775 w 3770142"/>
+              <a:gd name="connsiteY121" fmla="*/ 890686 h 3770142"/>
+              <a:gd name="connsiteX122" fmla="*/ 684322 w 3770142"/>
+              <a:gd name="connsiteY122" fmla="*/ 884582 h 3770142"/>
+              <a:gd name="connsiteX123" fmla="*/ 517152 w 3770142"/>
+              <a:gd name="connsiteY123" fmla="*/ 590604 h 3770142"/>
+              <a:gd name="connsiteX124" fmla="*/ 552125 w 3770142"/>
+              <a:gd name="connsiteY124" fmla="*/ 552125 h 3770142"/>
+              <a:gd name="connsiteX125" fmla="*/ 590604 w 3770142"/>
+              <a:gd name="connsiteY125" fmla="*/ 517152 h 3770142"/>
+              <a:gd name="connsiteX126" fmla="*/ 884582 w 3770142"/>
+              <a:gd name="connsiteY126" fmla="*/ 684322 h 3770142"/>
+              <a:gd name="connsiteX127" fmla="*/ 890685 w 3770142"/>
+              <a:gd name="connsiteY127" fmla="*/ 678775 h 3770142"/>
+              <a:gd name="connsiteX128" fmla="*/ 984392 w 3770142"/>
+              <a:gd name="connsiteY128" fmla="*/ 608703 h 3770142"/>
+              <a:gd name="connsiteX129" fmla="*/ 898830 w 3770142"/>
+              <a:gd name="connsiteY129" fmla="*/ 280800 h 3770142"/>
+              <a:gd name="connsiteX130" fmla="*/ 986534 w 3770142"/>
+              <a:gd name="connsiteY130" fmla="*/ 227518 h 3770142"/>
+              <a:gd name="connsiteX131" fmla="*/ 987203 w 3770142"/>
+              <a:gd name="connsiteY131" fmla="*/ 227196 h 3770142"/>
+              <a:gd name="connsiteX132" fmla="*/ 1230177 w 3770142"/>
+              <a:gd name="connsiteY132" fmla="*/ 467001 h 3770142"/>
+              <a:gd name="connsiteX133" fmla="*/ 1276575 w 3770142"/>
+              <a:gd name="connsiteY133" fmla="*/ 444650 h 3770142"/>
+              <a:gd name="connsiteX134" fmla="*/ 1345430 w 3770142"/>
+              <a:gd name="connsiteY134" fmla="*/ 419449 h 3770142"/>
+              <a:gd name="connsiteX135" fmla="*/ 1347661 w 3770142"/>
+              <a:gd name="connsiteY135" fmla="*/ 78796 h 3770142"/>
+              <a:gd name="connsiteX136" fmla="*/ 1447893 w 3770142"/>
+              <a:gd name="connsiteY136" fmla="*/ 53024 h 3770142"/>
+              <a:gd name="connsiteX137" fmla="*/ 1619605 w 3770142"/>
+              <a:gd name="connsiteY137" fmla="*/ 345992 h 3770142"/>
+              <a:gd name="connsiteX138" fmla="*/ 1725236 w 3770142"/>
+              <a:gd name="connsiteY138" fmla="*/ 329871 h 3770142"/>
+              <a:gd name="connsiteX139" fmla="*/ 1743353 w 3770142"/>
+              <a:gd name="connsiteY139" fmla="*/ 328956 h 3770142"/>
+              <a:gd name="connsiteX140" fmla="*/ 1833092 w 3770142"/>
+              <a:gd name="connsiteY140" fmla="*/ 2625 h 3770142"/>
+            </a:gdLst>
+            <a:ahLst/>
+            <a:cxnLst>
+              <a:cxn ang="0">
+                <a:pos x="connsiteX0" y="connsiteY0"/>
+              </a:cxn>
+              <a:cxn ang="0">
+                <a:pos x="connsiteX1" y="connsiteY1"/>
+              </a:cxn>
+              <a:cxn ang="0">
+                <a:pos x="connsiteX2" y="connsiteY2"/>
+              </a:cxn>
+              <a:cxn ang="0">
+                <a:pos x="connsiteX3" y="connsiteY3"/>
+              </a:cxn>
+              <a:cxn ang="0">
+                <a:pos x="connsiteX4" y="connsiteY4"/>
+              </a:cxn>
+              <a:cxn ang="0">
+                <a:pos x="connsiteX5" y="connsiteY5"/>
+              </a:cxn>
+              <a:cxn ang="0">
+                <a:pos x="connsiteX6" y="connsiteY6"/>
+              </a:cxn>
+              <a:cxn ang="0">
+                <a:pos x="connsiteX7" y="connsiteY7"/>
+              </a:cxn>
+              <a:cxn ang="0">
+                <a:pos x="connsiteX8" y="connsiteY8"/>
+              </a:cxn>
+              <a:cxn ang="0">
+                <a:pos x="connsiteX9" y="connsiteY9"/>
+              </a:cxn>
+              <a:cxn ang="0">
+                <a:pos x="connsiteX10" y="connsiteY10"/>
+              </a:cxn>
+              <a:cxn ang="0">
+                <a:pos x="connsiteX11" y="connsiteY11"/>
+              </a:cxn>
+              <a:cxn ang="0">
+                <a:pos x="connsiteX12" y="connsiteY12"/>
+              </a:cxn>
+              <a:cxn ang="0">
+                <a:pos x="connsiteX13" y="connsiteY13"/>
+              </a:cxn>
+              <a:cxn ang="0">
+                <a:pos x="connsiteX14" y="connsiteY14"/>
+              </a:cxn>
+              <a:cxn ang="0">
+                <a:pos x="connsiteX15" y="connsiteY15"/>
+              </a:cxn>
+              <a:cxn ang="0">
+                <a:pos x="connsiteX16" y="connsiteY16"/>
+              </a:cxn>
+              <a:cxn ang="0">
+                <a:pos x="connsiteX17" y="connsiteY17"/>
+              </a:cxn>
+              <a:cxn ang="0">
+                <a:pos x="connsiteX18" y="connsiteY18"/>
+              </a:cxn>
+              <a:cxn ang="0">
+                <a:pos x="connsiteX19" y="connsiteY19"/>
+              </a:cxn>
+              <a:cxn ang="0">
+                <a:pos x="connsiteX20" y="connsiteY20"/>
+              </a:cxn>
+              <a:cxn ang="0">
+                <a:pos x="connsiteX21" y="connsiteY21"/>
+              </a:cxn>
+              <a:cxn ang="0">
+                <a:pos x="connsiteX22" y="connsiteY22"/>
+              </a:cxn>
+              <a:cxn ang="0">
+                <a:pos x="connsiteX23" y="connsiteY23"/>
+              </a:cxn>
+              <a:cxn ang="0">
+                <a:pos x="connsiteX24" y="connsiteY24"/>
+              </a:cxn>
+              <a:cxn ang="0">
+                <a:pos x="connsiteX25" y="connsiteY25"/>
+              </a:cxn>
+              <a:cxn ang="0">
+                <a:pos x="connsiteX26" y="connsiteY26"/>
+              </a:cxn>
+              <a:cxn ang="0">
+                <a:pos x="connsiteX27" y="connsiteY27"/>
+              </a:cxn>
+              <a:cxn ang="0">
+                <a:pos x="connsiteX28" y="connsiteY28"/>
+              </a:cxn>
+              <a:cxn ang="0">
+                <a:pos x="connsiteX29" y="connsiteY29"/>
+              </a:cxn>
+              <a:cxn ang="0">
+                <a:pos x="connsiteX30" y="connsiteY30"/>
+              </a:cxn>
+              <a:cxn ang="0">
+                <a:pos x="connsiteX31" y="connsiteY31"/>
+              </a:cxn>
+              <a:cxn ang="0">
+                <a:pos x="connsiteX32" y="connsiteY32"/>
+              </a:cxn>
+              <a:cxn ang="0">
+                <a:pos x="connsiteX33" y="connsiteY33"/>
+              </a:cxn>
+              <a:cxn ang="0">
+                <a:pos x="connsiteX34" y="connsiteY34"/>
+              </a:cxn>
+              <a:cxn ang="0">
+                <a:pos x="connsiteX35" y="connsiteY35"/>
+              </a:cxn>
+              <a:cxn ang="0">
+                <a:pos x="connsiteX36" y="connsiteY36"/>
+              </a:cxn>
+              <a:cxn ang="0">
+                <a:pos x="connsiteX37" y="connsiteY37"/>
+              </a:cxn>
+              <a:cxn ang="0">
+                <a:pos x="connsiteX38" y="connsiteY38"/>
+              </a:cxn>
+              <a:cxn ang="0">
+                <a:pos x="connsiteX39" y="connsiteY39"/>
+              </a:cxn>
+              <a:cxn ang="0">
+                <a:pos x="connsiteX40" y="connsiteY40"/>
+              </a:cxn>
+              <a:cxn ang="0">
+                <a:pos x="connsiteX41" y="connsiteY41"/>
+              </a:cxn>
+              <a:cxn ang="0">
+                <a:pos x="connsiteX42" y="connsiteY42"/>
+              </a:cxn>
+              <a:cxn ang="0">
+                <a:pos x="connsiteX43" y="connsiteY43"/>
+              </a:cxn>
+              <a:cxn ang="0">
+                <a:pos x="connsiteX44" y="connsiteY44"/>
+              </a:cxn>
+              <a:cxn ang="0">
+                <a:pos x="connsiteX45" y="connsiteY45"/>
+              </a:cxn>
+              <a:cxn ang="0">
+                <a:pos x="connsiteX46" y="connsiteY46"/>
+              </a:cxn>
+              <a:cxn ang="0">
+                <a:pos x="connsiteX47" y="connsiteY47"/>
+              </a:cxn>
+              <a:cxn ang="0">
+                <a:pos x="connsiteX48" y="connsiteY48"/>
+              </a:cxn>
+              <a:cxn ang="0">
+                <a:pos x="connsiteX49" y="connsiteY49"/>
+              </a:cxn>
+              <a:cxn ang="0">
+                <a:pos x="connsiteX50" y="connsiteY50"/>
+              </a:cxn>
+              <a:cxn ang="0">
+                <a:pos x="connsiteX51" y="connsiteY51"/>
+              </a:cxn>
+              <a:cxn ang="0">
+                <a:pos x="connsiteX52" y="connsiteY52"/>
+              </a:cxn>
+              <a:cxn ang="0">
+                <a:pos x="connsiteX53" y="connsiteY53"/>
+              </a:cxn>
+              <a:cxn ang="0">
+                <a:pos x="connsiteX54" y="connsiteY54"/>
+              </a:cxn>
+              <a:cxn ang="0">
+                <a:pos x="connsiteX55" y="connsiteY55"/>
+              </a:cxn>
+              <a:cxn ang="0">
+                <a:pos x="connsiteX56" y="connsiteY56"/>
+              </a:cxn>
+              <a:cxn ang="0">
+                <a:pos x="connsiteX57" y="connsiteY57"/>
+              </a:cxn>
+              <a:cxn ang="0">
+                <a:pos x="connsiteX58" y="connsiteY58"/>
+              </a:cxn>
+              <a:cxn ang="0">
+                <a:pos x="connsiteX59" y="connsiteY59"/>
+              </a:cxn>
+              <a:cxn ang="0">
+                <a:pos x="connsiteX60" y="connsiteY60"/>
+              </a:cxn>
+              <a:cxn ang="0">
+                <a:pos x="connsiteX61" y="connsiteY61"/>
+              </a:cxn>
+              <a:cxn ang="0">
+                <a:pos x="connsiteX62" y="connsiteY62"/>
+              </a:cxn>
+              <a:cxn ang="0">
+                <a:pos x="connsiteX63" y="connsiteY63"/>
+              </a:cxn>
+              <a:cxn ang="0">
+                <a:pos x="connsiteX64" y="connsiteY64"/>
+              </a:cxn>
+              <a:cxn ang="0">
+                <a:pos x="connsiteX65" y="connsiteY65"/>
+              </a:cxn>
+              <a:cxn ang="0">
+                <a:pos x="connsiteX66" y="connsiteY66"/>
+              </a:cxn>
+              <a:cxn ang="0">
+                <a:pos x="connsiteX67" y="connsiteY67"/>
+              </a:cxn>
+              <a:cxn ang="0">
+                <a:pos x="connsiteX68" y="connsiteY68"/>
+              </a:cxn>
+              <a:cxn ang="0">
+                <a:pos x="connsiteX69" y="connsiteY69"/>
+              </a:cxn>
+              <a:cxn ang="0">
+                <a:pos x="connsiteX70" y="connsiteY70"/>
+              </a:cxn>
+              <a:cxn ang="0">
+                <a:pos x="connsiteX71" y="connsiteY71"/>
+              </a:cxn>
+              <a:cxn ang="0">
+                <a:pos x="connsiteX72" y="connsiteY72"/>
+              </a:cxn>
+              <a:cxn ang="0">
+                <a:pos x="connsiteX73" y="connsiteY73"/>
+              </a:cxn>
+              <a:cxn ang="0">
+                <a:pos x="connsiteX74" y="connsiteY74"/>
+              </a:cxn>
+              <a:cxn ang="0">
+                <a:pos x="connsiteX75" y="connsiteY75"/>
+              </a:cxn>
+              <a:cxn ang="0">
+                <a:pos x="connsiteX76" y="connsiteY76"/>
+              </a:cxn>
+              <a:cxn ang="0">
+                <a:pos x="connsiteX77" y="connsiteY77"/>
+              </a:cxn>
+              <a:cxn ang="0">
+                <a:pos x="connsiteX78" y="connsiteY78"/>
+              </a:cxn>
+              <a:cxn ang="0">
+                <a:pos x="connsiteX79" y="connsiteY79"/>
+              </a:cxn>
+              <a:cxn ang="0">
+                <a:pos x="connsiteX80" y="connsiteY80"/>
+              </a:cxn>
+              <a:cxn ang="0">
+                <a:pos x="connsiteX81" y="connsiteY81"/>
+              </a:cxn>
+              <a:cxn ang="0">
+                <a:pos x="connsiteX82" y="connsiteY82"/>
+              </a:cxn>
+              <a:cxn ang="0">
+                <a:pos x="connsiteX83" y="connsiteY83"/>
+              </a:cxn>
+              <a:cxn ang="0">
+                <a:pos x="connsiteX84" y="connsiteY84"/>
+              </a:cxn>
+              <a:cxn ang="0">
+                <a:pos x="connsiteX85" y="connsiteY85"/>
+              </a:cxn>
+              <a:cxn ang="0">
+                <a:pos x="connsiteX86" y="connsiteY86"/>
+              </a:cxn>
+              <a:cxn ang="0">
+                <a:pos x="connsiteX87" y="connsiteY87"/>
+              </a:cxn>
+              <a:cxn ang="0">
+                <a:pos x="connsiteX88" y="connsiteY88"/>
+              </a:cxn>
+              <a:cxn ang="0">
+                <a:pos x="connsiteX89" y="connsiteY89"/>
+              </a:cxn>
+              <a:cxn ang="0">
+                <a:pos x="connsiteX90" y="connsiteY90"/>
+              </a:cxn>
+              <a:cxn ang="0">
+                <a:pos x="connsiteX91" y="connsiteY91"/>
+              </a:cxn>
+              <a:cxn ang="0">
+                <a:pos x="connsiteX92" y="connsiteY92"/>
+              </a:cxn>
+              <a:cxn ang="0">
+                <a:pos x="connsiteX93" y="connsiteY93"/>
+              </a:cxn>
+              <a:cxn ang="0">
+                <a:pos x="connsiteX94" y="connsiteY94"/>
+              </a:cxn>
+              <a:cxn ang="0">
+                <a:pos x="connsiteX95" y="connsiteY95"/>
+              </a:cxn>
+              <a:cxn ang="0">
+                <a:pos x="connsiteX96" y="connsiteY96"/>
+              </a:cxn>
+              <a:cxn ang="0">
+                <a:pos x="connsiteX97" y="connsiteY97"/>
+              </a:cxn>
+              <a:cxn ang="0">
+                <a:pos x="connsiteX98" y="connsiteY98"/>
+              </a:cxn>
+              <a:cxn ang="0">
+                <a:pos x="connsiteX99" y="connsiteY99"/>
+              </a:cxn>
+              <a:cxn ang="0">
+                <a:pos x="connsiteX100" y="connsiteY100"/>
+              </a:cxn>
+              <a:cxn ang="0">
+                <a:pos x="connsiteX101" y="connsiteY101"/>
+              </a:cxn>
+              <a:cxn ang="0">
+                <a:pos x="connsiteX102" y="connsiteY102"/>
+              </a:cxn>
+              <a:cxn ang="0">
+                <a:pos x="connsiteX103" y="connsiteY103"/>
+              </a:cxn>
+              <a:cxn ang="0">
+                <a:pos x="connsiteX104" y="connsiteY104"/>
+              </a:cxn>
+              <a:cxn ang="0">
+                <a:pos x="connsiteX105" y="connsiteY105"/>
+              </a:cxn>
+              <a:cxn ang="0">
+                <a:pos x="connsiteX106" y="connsiteY106"/>
+              </a:cxn>
+              <a:cxn ang="0">
+                <a:pos x="connsiteX107" y="connsiteY107"/>
+              </a:cxn>
+              <a:cxn ang="0">
+                <a:pos x="connsiteX108" y="connsiteY108"/>
+              </a:cxn>
+              <a:cxn ang="0">
+                <a:pos x="connsiteX109" y="connsiteY109"/>
+              </a:cxn>
+              <a:cxn ang="0">
+                <a:pos x="connsiteX110" y="connsiteY110"/>
+              </a:cxn>
+              <a:cxn ang="0">
+                <a:pos x="connsiteX111" y="connsiteY111"/>
+              </a:cxn>
+              <a:cxn ang="0">
+                <a:pos x="connsiteX112" y="connsiteY112"/>
+              </a:cxn>
+              <a:cxn ang="0">
+                <a:pos x="connsiteX113" y="connsiteY113"/>
+              </a:cxn>
+              <a:cxn ang="0">
+                <a:pos x="connsiteX114" y="connsiteY114"/>
+              </a:cxn>
+              <a:cxn ang="0">
+                <a:pos x="connsiteX115" y="connsiteY115"/>
+              </a:cxn>
+              <a:cxn ang="0">
+                <a:pos x="connsiteX116" y="connsiteY116"/>
+              </a:cxn>
+              <a:cxn ang="0">
+                <a:pos x="connsiteX117" y="connsiteY117"/>
+              </a:cxn>
+              <a:cxn ang="0">
+                <a:pos x="connsiteX118" y="connsiteY118"/>
+              </a:cxn>
+              <a:cxn ang="0">
+                <a:pos x="connsiteX119" y="connsiteY119"/>
+              </a:cxn>
+              <a:cxn ang="0">
+                <a:pos x="connsiteX120" y="connsiteY120"/>
+              </a:cxn>
+              <a:cxn ang="0">
+                <a:pos x="connsiteX121" y="connsiteY121"/>
+              </a:cxn>
+              <a:cxn ang="0">
+                <a:pos x="connsiteX122" y="connsiteY122"/>
+              </a:cxn>
+              <a:cxn ang="0">
+                <a:pos x="connsiteX123" y="connsiteY123"/>
+              </a:cxn>
+              <a:cxn ang="0">
+                <a:pos x="connsiteX124" y="connsiteY124"/>
+              </a:cxn>
+              <a:cxn ang="0">
+                <a:pos x="connsiteX125" y="connsiteY125"/>
+              </a:cxn>
+              <a:cxn ang="0">
+                <a:pos x="connsiteX126" y="connsiteY126"/>
+              </a:cxn>
+              <a:cxn ang="0">
+                <a:pos x="connsiteX127" y="connsiteY127"/>
+              </a:cxn>
+              <a:cxn ang="0">
+                <a:pos x="connsiteX128" y="connsiteY128"/>
+              </a:cxn>
+              <a:cxn ang="0">
+                <a:pos x="connsiteX129" y="connsiteY129"/>
+              </a:cxn>
+              <a:cxn ang="0">
+                <a:pos x="connsiteX130" y="connsiteY130"/>
+              </a:cxn>
+              <a:cxn ang="0">
+                <a:pos x="connsiteX131" y="connsiteY131"/>
+              </a:cxn>
+              <a:cxn ang="0">
+                <a:pos x="connsiteX132" y="connsiteY132"/>
+              </a:cxn>
+              <a:cxn ang="0">
+                <a:pos x="connsiteX133" y="connsiteY133"/>
+              </a:cxn>
+              <a:cxn ang="0">
+                <a:pos x="connsiteX134" y="connsiteY134"/>
+              </a:cxn>
+              <a:cxn ang="0">
+                <a:pos x="connsiteX135" y="connsiteY135"/>
+              </a:cxn>
+              <a:cxn ang="0">
+                <a:pos x="connsiteX136" y="connsiteY136"/>
+              </a:cxn>
+              <a:cxn ang="0">
+                <a:pos x="connsiteX137" y="connsiteY137"/>
+              </a:cxn>
+              <a:cxn ang="0">
+                <a:pos x="connsiteX138" y="connsiteY138"/>
+              </a:cxn>
+              <a:cxn ang="0">
+                <a:pos x="connsiteX139" y="connsiteY139"/>
+              </a:cxn>
+              <a:cxn ang="0">
+                <a:pos x="connsiteX140" y="connsiteY140"/>
+              </a:cxn>
+            </a:cxnLst>
+            <a:rect l="l" t="t" r="r" b="b"/>
+            <a:pathLst>
+              <a:path w="3770142" h="3770142">
+                <a:moveTo>
+                  <a:pt x="1879796" y="536334"/>
+                </a:moveTo>
+                <a:cubicBezTo>
+                  <a:pt x="1134908" y="536334"/>
+                  <a:pt x="531057" y="1140185"/>
+                  <a:pt x="531057" y="1885073"/>
+                </a:cubicBezTo>
+                <a:cubicBezTo>
+                  <a:pt x="531057" y="2629961"/>
+                  <a:pt x="1134908" y="3233812"/>
+                  <a:pt x="1879796" y="3233812"/>
+                </a:cubicBezTo>
+                <a:cubicBezTo>
+                  <a:pt x="2624684" y="3233812"/>
+                  <a:pt x="3228535" y="2629961"/>
+                  <a:pt x="3228535" y="1885073"/>
+                </a:cubicBezTo>
+                <a:cubicBezTo>
+                  <a:pt x="3228535" y="1140185"/>
+                  <a:pt x="2624684" y="536334"/>
+                  <a:pt x="1879796" y="536334"/>
+                </a:cubicBezTo>
+                <a:close/>
+                <a:moveTo>
+                  <a:pt x="1885071" y="0"/>
+                </a:moveTo>
+                <a:lnTo>
+                  <a:pt x="1937052" y="2625"/>
+                </a:lnTo>
+                <a:lnTo>
+                  <a:pt x="2026791" y="328956"/>
+                </a:lnTo>
+                <a:lnTo>
+                  <a:pt x="2044907" y="329871"/>
+                </a:lnTo>
+                <a:lnTo>
+                  <a:pt x="2150538" y="345992"/>
+                </a:lnTo>
+                <a:lnTo>
+                  <a:pt x="2322250" y="53024"/>
+                </a:lnTo>
+                <a:lnTo>
+                  <a:pt x="2422482" y="78796"/>
+                </a:lnTo>
+                <a:lnTo>
+                  <a:pt x="2424713" y="419449"/>
+                </a:lnTo>
+                <a:lnTo>
+                  <a:pt x="2493567" y="444650"/>
+                </a:lnTo>
+                <a:lnTo>
+                  <a:pt x="2539966" y="467001"/>
+                </a:lnTo>
+                <a:lnTo>
+                  <a:pt x="2782940" y="227196"/>
+                </a:lnTo>
+                <a:lnTo>
+                  <a:pt x="2783608" y="227518"/>
+                </a:lnTo>
+                <a:lnTo>
+                  <a:pt x="2871313" y="280800"/>
+                </a:lnTo>
+                <a:lnTo>
+                  <a:pt x="2785751" y="608704"/>
+                </a:lnTo>
+                <a:lnTo>
+                  <a:pt x="2879457" y="678775"/>
+                </a:lnTo>
+                <a:lnTo>
+                  <a:pt x="2885560" y="684323"/>
+                </a:lnTo>
+                <a:lnTo>
+                  <a:pt x="3179539" y="517153"/>
+                </a:lnTo>
+                <a:lnTo>
+                  <a:pt x="3218018" y="552125"/>
+                </a:lnTo>
+                <a:lnTo>
+                  <a:pt x="3252990" y="590604"/>
+                </a:lnTo>
+                <a:lnTo>
+                  <a:pt x="3085821" y="884583"/>
+                </a:lnTo>
+                <a:lnTo>
+                  <a:pt x="3091367" y="890686"/>
+                </a:lnTo>
+                <a:lnTo>
+                  <a:pt x="3161439" y="984392"/>
+                </a:lnTo>
+                <a:lnTo>
+                  <a:pt x="3489343" y="898830"/>
+                </a:lnTo>
+                <a:lnTo>
+                  <a:pt x="3542624" y="986534"/>
+                </a:lnTo>
+                <a:lnTo>
+                  <a:pt x="3542947" y="987204"/>
+                </a:lnTo>
+                <a:lnTo>
+                  <a:pt x="3303142" y="1230178"/>
+                </a:lnTo>
+                <a:lnTo>
+                  <a:pt x="3325493" y="1276575"/>
+                </a:lnTo>
+                <a:lnTo>
+                  <a:pt x="3350694" y="1345430"/>
+                </a:lnTo>
+                <a:lnTo>
+                  <a:pt x="3691346" y="1347661"/>
+                </a:lnTo>
+                <a:lnTo>
+                  <a:pt x="3717119" y="1447893"/>
+                </a:lnTo>
+                <a:lnTo>
+                  <a:pt x="3424150" y="1619606"/>
+                </a:lnTo>
+                <a:lnTo>
+                  <a:pt x="3440271" y="1725236"/>
+                </a:lnTo>
+                <a:lnTo>
+                  <a:pt x="3441186" y="1743352"/>
+                </a:lnTo>
+                <a:lnTo>
+                  <a:pt x="3767518" y="1833092"/>
+                </a:lnTo>
+                <a:lnTo>
+                  <a:pt x="3770142" y="1885071"/>
+                </a:lnTo>
+                <a:lnTo>
+                  <a:pt x="3767517" y="1937052"/>
+                </a:lnTo>
+                <a:lnTo>
+                  <a:pt x="3441186" y="2026791"/>
+                </a:lnTo>
+                <a:lnTo>
+                  <a:pt x="3440271" y="2044907"/>
+                </a:lnTo>
+                <a:lnTo>
+                  <a:pt x="3424150" y="2150538"/>
+                </a:lnTo>
+                <a:lnTo>
+                  <a:pt x="3717118" y="2322250"/>
+                </a:lnTo>
+                <a:lnTo>
+                  <a:pt x="3691346" y="2422482"/>
+                </a:lnTo>
+                <a:lnTo>
+                  <a:pt x="3350693" y="2424714"/>
+                </a:lnTo>
+                <a:lnTo>
+                  <a:pt x="3325493" y="2493567"/>
+                </a:lnTo>
+                <a:lnTo>
+                  <a:pt x="3303141" y="2539965"/>
+                </a:lnTo>
+                <a:lnTo>
+                  <a:pt x="3542947" y="2782939"/>
+                </a:lnTo>
+                <a:lnTo>
+                  <a:pt x="3542624" y="2783608"/>
+                </a:lnTo>
+                <a:lnTo>
+                  <a:pt x="3489342" y="2871313"/>
+                </a:lnTo>
+                <a:lnTo>
+                  <a:pt x="3161439" y="2785751"/>
+                </a:lnTo>
+                <a:lnTo>
+                  <a:pt x="3091367" y="2879457"/>
+                </a:lnTo>
+                <a:lnTo>
+                  <a:pt x="3085820" y="2885560"/>
+                </a:lnTo>
+                <a:lnTo>
+                  <a:pt x="3252990" y="3179538"/>
+                </a:lnTo>
+                <a:lnTo>
+                  <a:pt x="3218018" y="3218018"/>
+                </a:lnTo>
+                <a:lnTo>
+                  <a:pt x="3179538" y="3252990"/>
+                </a:lnTo>
+                <a:lnTo>
+                  <a:pt x="2885560" y="3085821"/>
+                </a:lnTo>
+                <a:lnTo>
+                  <a:pt x="2879457" y="3091367"/>
+                </a:lnTo>
+                <a:lnTo>
+                  <a:pt x="2785751" y="3161439"/>
+                </a:lnTo>
+                <a:lnTo>
+                  <a:pt x="2871313" y="3489342"/>
+                </a:lnTo>
+                <a:lnTo>
+                  <a:pt x="2783608" y="3542624"/>
+                </a:lnTo>
+                <a:lnTo>
+                  <a:pt x="2782939" y="3542947"/>
+                </a:lnTo>
+                <a:lnTo>
+                  <a:pt x="2539965" y="3303141"/>
+                </a:lnTo>
+                <a:lnTo>
+                  <a:pt x="2493567" y="3325493"/>
+                </a:lnTo>
+                <a:lnTo>
+                  <a:pt x="2424713" y="3350693"/>
+                </a:lnTo>
+                <a:lnTo>
+                  <a:pt x="2422482" y="3691346"/>
+                </a:lnTo>
+                <a:lnTo>
+                  <a:pt x="2322250" y="3717118"/>
+                </a:lnTo>
+                <a:lnTo>
+                  <a:pt x="2150538" y="3424150"/>
+                </a:lnTo>
+                <a:lnTo>
+                  <a:pt x="2044907" y="3440271"/>
+                </a:lnTo>
+                <a:lnTo>
+                  <a:pt x="2026791" y="3441186"/>
+                </a:lnTo>
+                <a:lnTo>
+                  <a:pt x="1937052" y="3767517"/>
+                </a:lnTo>
+                <a:lnTo>
+                  <a:pt x="1885071" y="3770142"/>
+                </a:lnTo>
+                <a:lnTo>
+                  <a:pt x="1833092" y="3767518"/>
+                </a:lnTo>
+                <a:lnTo>
+                  <a:pt x="1743352" y="3441186"/>
+                </a:lnTo>
+                <a:lnTo>
+                  <a:pt x="1725236" y="3440271"/>
+                </a:lnTo>
+                <a:lnTo>
+                  <a:pt x="1619606" y="3424150"/>
+                </a:lnTo>
+                <a:lnTo>
+                  <a:pt x="1447893" y="3717119"/>
+                </a:lnTo>
+                <a:lnTo>
+                  <a:pt x="1347661" y="3691346"/>
+                </a:lnTo>
+                <a:lnTo>
+                  <a:pt x="1345430" y="3350694"/>
+                </a:lnTo>
+                <a:lnTo>
+                  <a:pt x="1276575" y="3325493"/>
+                </a:lnTo>
+                <a:lnTo>
+                  <a:pt x="1230178" y="3303142"/>
+                </a:lnTo>
+                <a:lnTo>
+                  <a:pt x="987204" y="3542947"/>
+                </a:lnTo>
+                <a:lnTo>
+                  <a:pt x="986534" y="3542624"/>
+                </a:lnTo>
+                <a:lnTo>
+                  <a:pt x="898830" y="3489343"/>
+                </a:lnTo>
+                <a:lnTo>
+                  <a:pt x="984392" y="3161440"/>
+                </a:lnTo>
+                <a:lnTo>
+                  <a:pt x="890685" y="3091367"/>
+                </a:lnTo>
+                <a:lnTo>
+                  <a:pt x="884583" y="3085821"/>
+                </a:lnTo>
+                <a:lnTo>
+                  <a:pt x="590604" y="3252991"/>
+                </a:lnTo>
+                <a:lnTo>
+                  <a:pt x="552125" y="3218018"/>
+                </a:lnTo>
+                <a:lnTo>
+                  <a:pt x="517153" y="3179539"/>
+                </a:lnTo>
+                <a:lnTo>
+                  <a:pt x="684322" y="2885561"/>
+                </a:lnTo>
+                <a:lnTo>
+                  <a:pt x="678775" y="2879457"/>
+                </a:lnTo>
+                <a:lnTo>
+                  <a:pt x="608704" y="2785752"/>
+                </a:lnTo>
+                <a:lnTo>
+                  <a:pt x="280800" y="2871313"/>
+                </a:lnTo>
+                <a:lnTo>
+                  <a:pt x="227518" y="2783608"/>
+                </a:lnTo>
+                <a:lnTo>
+                  <a:pt x="227196" y="2782940"/>
+                </a:lnTo>
+                <a:lnTo>
+                  <a:pt x="467001" y="2539966"/>
+                </a:lnTo>
+                <a:lnTo>
+                  <a:pt x="444650" y="2493567"/>
+                </a:lnTo>
+                <a:lnTo>
+                  <a:pt x="419449" y="2424714"/>
+                </a:lnTo>
+                <a:lnTo>
+                  <a:pt x="78796" y="2422482"/>
+                </a:lnTo>
+                <a:lnTo>
+                  <a:pt x="53024" y="2322250"/>
+                </a:lnTo>
+                <a:lnTo>
+                  <a:pt x="345992" y="2150538"/>
+                </a:lnTo>
+                <a:lnTo>
+                  <a:pt x="329871" y="2044907"/>
+                </a:lnTo>
+                <a:lnTo>
+                  <a:pt x="328956" y="2026791"/>
+                </a:lnTo>
+                <a:lnTo>
+                  <a:pt x="2625" y="1937052"/>
+                </a:lnTo>
+                <a:lnTo>
+                  <a:pt x="0" y="1885071"/>
+                </a:lnTo>
+                <a:lnTo>
+                  <a:pt x="2625" y="1833092"/>
+                </a:lnTo>
+                <a:lnTo>
+                  <a:pt x="328956" y="1743353"/>
+                </a:lnTo>
+                <a:lnTo>
+                  <a:pt x="329871" y="1725236"/>
+                </a:lnTo>
+                <a:lnTo>
+                  <a:pt x="345992" y="1619605"/>
+                </a:lnTo>
+                <a:lnTo>
+                  <a:pt x="53024" y="1447893"/>
+                </a:lnTo>
+                <a:lnTo>
+                  <a:pt x="78796" y="1347661"/>
+                </a:lnTo>
+                <a:lnTo>
+                  <a:pt x="419449" y="1345430"/>
+                </a:lnTo>
+                <a:lnTo>
+                  <a:pt x="444650" y="1276575"/>
+                </a:lnTo>
+                <a:lnTo>
+                  <a:pt x="467001" y="1230177"/>
+                </a:lnTo>
+                <a:lnTo>
+                  <a:pt x="227196" y="987203"/>
+                </a:lnTo>
+                <a:lnTo>
+                  <a:pt x="227518" y="986534"/>
+                </a:lnTo>
+                <a:lnTo>
+                  <a:pt x="280800" y="898830"/>
+                </a:lnTo>
+                <a:lnTo>
+                  <a:pt x="608703" y="984392"/>
+                </a:lnTo>
+                <a:lnTo>
+                  <a:pt x="678775" y="890686"/>
+                </a:lnTo>
+                <a:lnTo>
+                  <a:pt x="684322" y="884582"/>
+                </a:lnTo>
+                <a:lnTo>
+                  <a:pt x="517152" y="590604"/>
+                </a:lnTo>
+                <a:lnTo>
+                  <a:pt x="552125" y="552125"/>
+                </a:lnTo>
+                <a:lnTo>
+                  <a:pt x="590604" y="517152"/>
+                </a:lnTo>
+                <a:lnTo>
+                  <a:pt x="884582" y="684322"/>
+                </a:lnTo>
+                <a:lnTo>
+                  <a:pt x="890685" y="678775"/>
+                </a:lnTo>
+                <a:lnTo>
+                  <a:pt x="984392" y="608703"/>
+                </a:lnTo>
+                <a:lnTo>
+                  <a:pt x="898830" y="280800"/>
+                </a:lnTo>
+                <a:lnTo>
+                  <a:pt x="986534" y="227518"/>
+                </a:lnTo>
+                <a:lnTo>
+                  <a:pt x="987203" y="227196"/>
+                </a:lnTo>
+                <a:lnTo>
+                  <a:pt x="1230177" y="467001"/>
+                </a:lnTo>
+                <a:lnTo>
+                  <a:pt x="1276575" y="444650"/>
+                </a:lnTo>
+                <a:lnTo>
+                  <a:pt x="1345430" y="419449"/>
+                </a:lnTo>
+                <a:lnTo>
+                  <a:pt x="1347661" y="78796"/>
+                </a:lnTo>
+                <a:lnTo>
+                  <a:pt x="1447893" y="53024"/>
+                </a:lnTo>
+                <a:lnTo>
+                  <a:pt x="1619605" y="345992"/>
+                </a:lnTo>
+                <a:lnTo>
+                  <a:pt x="1725236" y="329871"/>
+                </a:lnTo>
+                <a:lnTo>
+                  <a:pt x="1743353" y="328956"/>
+                </a:lnTo>
+                <a:lnTo>
+                  <a:pt x="1833092" y="2625"/>
+                </a:lnTo>
+                <a:close/>
+              </a:path>
+            </a:pathLst>
+          </a:custGeom>
+          <a:gradFill flip="none" rotWithShape="1">
+            <a:gsLst>
+              <a:gs pos="0">
+                <a:schemeClr val="bg2">
+                  <a:lumMod val="50000"/>
+                </a:schemeClr>
+              </a:gs>
+              <a:gs pos="50000">
+                <a:schemeClr val="bg1">
+                  <a:lumMod val="65000"/>
+                </a:schemeClr>
+              </a:gs>
+              <a:gs pos="100000">
+                <a:schemeClr val="bg1">
+                  <a:lumMod val="85000"/>
+                </a:schemeClr>
+              </a:gs>
+            </a:gsLst>
+            <a:lin ang="10800000" scaled="1"/>
+            <a:tileRect/>
+          </a:gradFill>
+          <a:ln>
+            <a:noFill/>
+          </a:ln>
+          <a:effectLst>
+            <a:outerShdw blurRad="152400" dist="317500" dir="5400000" sx="90000" sy="-19000" rotWithShape="0">
+              <a:prstClr val="black">
+                <a:alpha val="15000"/>
+              </a:prstClr>
+            </a:outerShdw>
+          </a:effectLst>
+        </p:spPr>
+        <p:style>
+          <a:lnRef idx="2">
+            <a:schemeClr val="accent1">
+              <a:shade val="50000"/>
+            </a:schemeClr>
+          </a:lnRef>
+          <a:fillRef idx="1">
+            <a:schemeClr val="accent1"/>
+          </a:fillRef>
+          <a:effectRef idx="0">
+            <a:schemeClr val="accent1"/>
+          </a:effectRef>
+          <a:fontRef idx="minor">
+            <a:schemeClr val="lt1"/>
+          </a:fontRef>
+        </p:style>
+        <p:txBody>
+          <a:bodyPr rtlCol="0" anchor="ctr"/>
+          <a:lstStyle/>
+          <a:p>
+            <a:pPr algn="ctr"/>
+            <a:endParaRPr lang="zh-CN" altLang="en-US"/>
           </a:p>
         </p:txBody>
       </p:sp>
@@ -6393,9 +7229,9 @@
 </file>
 
 <file path=ppt/theme/theme1.xml><?xml version="1.0" encoding="utf-8"?>
-<a:theme xmlns:a="http://schemas.openxmlformats.org/drawingml/2006/main" name="大都市">
+<a:theme xmlns:a="http://schemas.openxmlformats.org/drawingml/2006/main" name="HDOfficeLightV0">
   <a:themeElements>
-    <a:clrScheme name="大都市">
+    <a:clrScheme name="Office">
       <a:dk1>
         <a:sysClr val="windowText" lastClr="000000"/>
       </a:dk1>
@@ -6403,39 +7239,39 @@
         <a:sysClr val="window" lastClr="FFFFFF"/>
       </a:lt1>
       <a:dk2>
-        <a:srgbClr val="162F33"/>
+        <a:srgbClr val="44546A"/>
       </a:dk2>
       <a:lt2>
-        <a:srgbClr val="EAF0E0"/>
+        <a:srgbClr val="E7E6E6"/>
       </a:lt2>
       <a:accent1>
-        <a:srgbClr val="50B4C8"/>
+        <a:srgbClr val="5B9BD5"/>
       </a:accent1>
       <a:accent2>
-        <a:srgbClr val="A8B97F"/>
+        <a:srgbClr val="ED7D31"/>
       </a:accent2>
       <a:accent3>
-        <a:srgbClr val="9B9256"/>
+        <a:srgbClr val="A5A5A5"/>
       </a:accent3>
       <a:accent4>
-        <a:srgbClr val="657689"/>
+        <a:srgbClr val="FFC000"/>
       </a:accent4>
       <a:accent5>
-        <a:srgbClr val="7A855D"/>
+        <a:srgbClr val="4472C4"/>
       </a:accent5>
       <a:accent6>
-        <a:srgbClr val="84AC9D"/>
+        <a:srgbClr val="70AD47"/>
       </a:accent6>
       <a:hlink>
-        <a:srgbClr val="2370CD"/>
+        <a:srgbClr val="0563C1"/>
       </a:hlink>
       <a:folHlink>
-        <a:srgbClr val="877589"/>
+        <a:srgbClr val="954F72"/>
       </a:folHlink>
     </a:clrScheme>
-    <a:fontScheme name="大都市">
+    <a:fontScheme name="Office">
       <a:majorFont>
-        <a:latin typeface="Calibri Light" panose="020F0302020204030204"/>
+        <a:latin typeface="Calibri Light"/>
         <a:ea typeface=""/>
         <a:cs typeface=""/>
         <a:font script="Jpan" typeface="ＭＳ Ｐゴシック"/>
@@ -6470,20 +7306,20 @@
         <a:font script="Geor" typeface="Sylfaen"/>
       </a:majorFont>
       <a:minorFont>
-        <a:latin typeface="Calibri Light" panose="020F0302020204030204"/>
+        <a:latin typeface="Calibri"/>
         <a:ea typeface=""/>
         <a:cs typeface=""/>
         <a:font script="Jpan" typeface="ＭＳ Ｐゴシック"/>
         <a:font script="Hang" typeface="맑은 고딕"/>
         <a:font script="Hans" typeface="宋体"/>
         <a:font script="Hant" typeface="新細明體"/>
-        <a:font script="Arab" typeface="Times New Roman"/>
-        <a:font script="Hebr" typeface="Times New Roman"/>
-        <a:font script="Thai" typeface="Angsana New"/>
+        <a:font script="Arab" typeface="Arial"/>
+        <a:font script="Hebr" typeface="Arial"/>
+        <a:font script="Thai" typeface="Cordia New"/>
         <a:font script="Ethi" typeface="Nyala"/>
         <a:font script="Beng" typeface="Vrinda"/>
         <a:font script="Gujr" typeface="Shruti"/>
-        <a:font script="Khmr" typeface="MoolBoran"/>
+        <a:font script="Khmr" typeface="DaunPenh"/>
         <a:font script="Knda" typeface="Tunga"/>
         <a:font script="Guru" typeface="Raavi"/>
         <a:font script="Cans" typeface="Euphemia"/>
@@ -6500,12 +7336,12 @@
         <a:font script="Laoo" typeface="DokChampa"/>
         <a:font script="Sinh" typeface="Iskoola Pota"/>
         <a:font script="Mong" typeface="Mongolian Baiti"/>
-        <a:font script="Viet" typeface="Times New Roman"/>
+        <a:font script="Viet" typeface="Arial"/>
         <a:font script="Uigh" typeface="Microsoft Uighur"/>
         <a:font script="Geor" typeface="Sylfaen"/>
       </a:minorFont>
     </a:fontScheme>
-    <a:fmtScheme name="大都市">
+    <a:fmtScheme name="Office">
       <a:fillStyleLst>
         <a:solidFill>
           <a:schemeClr val="phClr"/>
@@ -6514,57 +7350,57 @@
           <a:gsLst>
             <a:gs pos="0">
               <a:schemeClr val="phClr">
-                <a:tint val="70000"/>
-                <a:satMod val="100000"/>
+                <a:tint val="67000"/>
+                <a:satMod val="105000"/>
                 <a:lumMod val="110000"/>
               </a:schemeClr>
             </a:gs>
             <a:gs pos="50000">
               <a:schemeClr val="phClr">
-                <a:tint val="75000"/>
-                <a:satMod val="101000"/>
+                <a:tint val="73000"/>
+                <a:satMod val="103000"/>
                 <a:lumMod val="105000"/>
               </a:schemeClr>
             </a:gs>
             <a:gs pos="100000">
               <a:schemeClr val="phClr">
-                <a:tint val="82000"/>
-                <a:satMod val="104000"/>
+                <a:tint val="81000"/>
+                <a:satMod val="109000"/>
                 <a:lumMod val="105000"/>
               </a:schemeClr>
             </a:gs>
           </a:gsLst>
-          <a:lin ang="2700000" scaled="0"/>
+          <a:lin ang="5400000" scaled="0"/>
         </a:gradFill>
         <a:gradFill rotWithShape="1">
           <a:gsLst>
             <a:gs pos="0">
               <a:schemeClr val="phClr">
-                <a:tint val="97000"/>
-                <a:satMod val="100000"/>
+                <a:tint val="94000"/>
+                <a:satMod val="103000"/>
                 <a:lumMod val="102000"/>
               </a:schemeClr>
             </a:gs>
             <a:gs pos="50000">
               <a:schemeClr val="phClr">
                 <a:shade val="100000"/>
-                <a:satMod val="100000"/>
+                <a:satMod val="110000"/>
                 <a:lumMod val="100000"/>
               </a:schemeClr>
             </a:gs>
             <a:gs pos="100000">
               <a:schemeClr val="phClr">
-                <a:shade val="80000"/>
-                <a:satMod val="100000"/>
+                <a:shade val="78000"/>
+                <a:satMod val="120000"/>
                 <a:lumMod val="99000"/>
               </a:schemeClr>
             </a:gs>
           </a:gsLst>
-          <a:lin ang="2700000" scaled="0"/>
+          <a:lin ang="5400000" scaled="0"/>
         </a:gradFill>
       </a:fillStyleLst>
       <a:lnStyleLst>
-        <a:ln w="9525" cap="flat" cmpd="sng" algn="ctr">
+        <a:ln w="6350" cap="flat" cmpd="sng" algn="ctr">
           <a:solidFill>
             <a:schemeClr val="phClr"/>
           </a:solidFill>
@@ -6610,21 +7446,37 @@
             <a:satMod val="170000"/>
           </a:schemeClr>
         </a:solidFill>
-        <a:solidFill>
-          <a:schemeClr val="phClr">
-            <a:shade val="95000"/>
-            <a:satMod val="170000"/>
-          </a:schemeClr>
-        </a:solidFill>
+        <a:gradFill rotWithShape="1">
+          <a:gsLst>
+            <a:gs pos="0">
+              <a:schemeClr val="phClr">
+                <a:tint val="93000"/>
+                <a:shade val="98000"/>
+                <a:satMod val="150000"/>
+                <a:lumMod val="102000"/>
+              </a:schemeClr>
+            </a:gs>
+            <a:gs pos="50000">
+              <a:schemeClr val="phClr">
+                <a:tint val="98000"/>
+                <a:shade val="90000"/>
+                <a:satMod val="130000"/>
+                <a:lumMod val="103000"/>
+              </a:schemeClr>
+            </a:gs>
+            <a:gs pos="100000">
+              <a:schemeClr val="phClr">
+                <a:shade val="63000"/>
+                <a:satMod val="120000"/>
+              </a:schemeClr>
+            </a:gs>
+          </a:gsLst>
+          <a:lin ang="5400000" scaled="0"/>
+        </a:gradFill>
       </a:bgFillStyleLst>
     </a:fmtScheme>
   </a:themeElements>
   <a:objectDefaults/>
   <a:extraClrSchemeLst/>
-  <a:extLst>
-    <a:ext uri="{05A4C25C-085E-4340-85A3-A5531E510DB2}">
-      <thm15:themeFamily xmlns:thm15="http://schemas.microsoft.com/office/thememl/2012/main" name="Metropolitan" id="{4C5440D6-04D2-4954-96CF-F251137069B2}" vid="{79CFCA13-9412-4290-BB4B-85112F88857B}"/>
-    </a:ext>
-  </a:extLst>
 </a:theme>
 </file>
--- a/wenjian/图形模板.pptx
+++ b/wenjian/图形模板.pptx
@@ -259,7 +259,7 @@
           <a:p>
             <a:fld id="{294C78A6-F6A0-4D3D-A31A-DDE82C9276DA}" type="datetimeFigureOut">
               <a:rPr lang="zh-CN" altLang="en-US" smtClean="0"/>
-              <a:t>2017/5/23</a:t>
+              <a:t>2017/6/9</a:t>
             </a:fld>
             <a:endParaRPr lang="zh-CN" altLang="en-US"/>
           </a:p>
@@ -429,7 +429,7 @@
           <a:p>
             <a:fld id="{294C78A6-F6A0-4D3D-A31A-DDE82C9276DA}" type="datetimeFigureOut">
               <a:rPr lang="zh-CN" altLang="en-US" smtClean="0"/>
-              <a:t>2017/5/23</a:t>
+              <a:t>2017/6/9</a:t>
             </a:fld>
             <a:endParaRPr lang="zh-CN" altLang="en-US"/>
           </a:p>
@@ -609,7 +609,7 @@
           <a:p>
             <a:fld id="{294C78A6-F6A0-4D3D-A31A-DDE82C9276DA}" type="datetimeFigureOut">
               <a:rPr lang="zh-CN" altLang="en-US" smtClean="0"/>
-              <a:t>2017/5/23</a:t>
+              <a:t>2017/6/9</a:t>
             </a:fld>
             <a:endParaRPr lang="zh-CN" altLang="en-US"/>
           </a:p>
@@ -779,7 +779,7 @@
           <a:p>
             <a:fld id="{294C78A6-F6A0-4D3D-A31A-DDE82C9276DA}" type="datetimeFigureOut">
               <a:rPr lang="zh-CN" altLang="en-US" smtClean="0"/>
-              <a:t>2017/5/23</a:t>
+              <a:t>2017/6/9</a:t>
             </a:fld>
             <a:endParaRPr lang="zh-CN" altLang="en-US"/>
           </a:p>
@@ -1030,7 +1030,7 @@
           <a:p>
             <a:fld id="{294C78A6-F6A0-4D3D-A31A-DDE82C9276DA}" type="datetimeFigureOut">
               <a:rPr lang="zh-CN" altLang="en-US" smtClean="0"/>
-              <a:t>2017/5/23</a:t>
+              <a:t>2017/6/9</a:t>
             </a:fld>
             <a:endParaRPr lang="zh-CN" altLang="en-US"/>
           </a:p>
@@ -1262,7 +1262,7 @@
           <a:p>
             <a:fld id="{294C78A6-F6A0-4D3D-A31A-DDE82C9276DA}" type="datetimeFigureOut">
               <a:rPr lang="zh-CN" altLang="en-US" smtClean="0"/>
-              <a:t>2017/5/23</a:t>
+              <a:t>2017/6/9</a:t>
             </a:fld>
             <a:endParaRPr lang="zh-CN" altLang="en-US"/>
           </a:p>
@@ -1609,7 +1609,7 @@
           <a:p>
             <a:fld id="{294C78A6-F6A0-4D3D-A31A-DDE82C9276DA}" type="datetimeFigureOut">
               <a:rPr lang="zh-CN" altLang="en-US" smtClean="0"/>
-              <a:t>2017/5/23</a:t>
+              <a:t>2017/6/9</a:t>
             </a:fld>
             <a:endParaRPr lang="zh-CN" altLang="en-US"/>
           </a:p>
@@ -1727,7 +1727,7 @@
           <a:p>
             <a:fld id="{294C78A6-F6A0-4D3D-A31A-DDE82C9276DA}" type="datetimeFigureOut">
               <a:rPr lang="zh-CN" altLang="en-US" smtClean="0"/>
-              <a:t>2017/5/23</a:t>
+              <a:t>2017/6/9</a:t>
             </a:fld>
             <a:endParaRPr lang="zh-CN" altLang="en-US"/>
           </a:p>
@@ -1845,7 +1845,7 @@
           <a:p>
             <a:fld id="{294C78A6-F6A0-4D3D-A31A-DDE82C9276DA}" type="datetimeFigureOut">
               <a:rPr lang="zh-CN" altLang="en-US" smtClean="0"/>
-              <a:t>2017/5/23</a:t>
+              <a:t>2017/6/9</a:t>
             </a:fld>
             <a:endParaRPr lang="zh-CN" altLang="en-US"/>
           </a:p>
@@ -2129,7 +2129,7 @@
           <a:p>
             <a:fld id="{294C78A6-F6A0-4D3D-A31A-DDE82C9276DA}" type="datetimeFigureOut">
               <a:rPr lang="zh-CN" altLang="en-US" smtClean="0"/>
-              <a:t>2017/5/23</a:t>
+              <a:t>2017/6/9</a:t>
             </a:fld>
             <a:endParaRPr lang="zh-CN" altLang="en-US"/>
           </a:p>
@@ -2393,7 +2393,7 @@
           <a:p>
             <a:fld id="{294C78A6-F6A0-4D3D-A31A-DDE82C9276DA}" type="datetimeFigureOut">
               <a:rPr lang="zh-CN" altLang="en-US" smtClean="0"/>
-              <a:t>2017/5/23</a:t>
+              <a:t>2017/6/9</a:t>
             </a:fld>
             <a:endParaRPr lang="zh-CN" altLang="en-US"/>
           </a:p>
@@ -2607,7 +2607,7 @@
           <a:p>
             <a:fld id="{294C78A6-F6A0-4D3D-A31A-DDE82C9276DA}" type="datetimeFigureOut">
               <a:rPr lang="zh-CN" altLang="en-US" smtClean="0"/>
-              <a:t>2017/5/23</a:t>
+              <a:t>2017/6/9</a:t>
             </a:fld>
             <a:endParaRPr lang="zh-CN" altLang="en-US"/>
           </a:p>

--- a/wenjian/图形模板.pptx
+++ b/wenjian/图形模板.pptx
@@ -259,7 +259,7 @@
           <a:p>
             <a:fld id="{294C78A6-F6A0-4D3D-A31A-DDE82C9276DA}" type="datetimeFigureOut">
               <a:rPr lang="zh-CN" altLang="en-US" smtClean="0"/>
-              <a:t>2017/6/9</a:t>
+              <a:t>2017/9/5</a:t>
             </a:fld>
             <a:endParaRPr lang="zh-CN" altLang="en-US"/>
           </a:p>
@@ -429,7 +429,7 @@
           <a:p>
             <a:fld id="{294C78A6-F6A0-4D3D-A31A-DDE82C9276DA}" type="datetimeFigureOut">
               <a:rPr lang="zh-CN" altLang="en-US" smtClean="0"/>
-              <a:t>2017/6/9</a:t>
+              <a:t>2017/9/5</a:t>
             </a:fld>
             <a:endParaRPr lang="zh-CN" altLang="en-US"/>
           </a:p>
@@ -609,7 +609,7 @@
           <a:p>
             <a:fld id="{294C78A6-F6A0-4D3D-A31A-DDE82C9276DA}" type="datetimeFigureOut">
               <a:rPr lang="zh-CN" altLang="en-US" smtClean="0"/>
-              <a:t>2017/6/9</a:t>
+              <a:t>2017/9/5</a:t>
             </a:fld>
             <a:endParaRPr lang="zh-CN" altLang="en-US"/>
           </a:p>
@@ -779,7 +779,7 @@
           <a:p>
             <a:fld id="{294C78A6-F6A0-4D3D-A31A-DDE82C9276DA}" type="datetimeFigureOut">
               <a:rPr lang="zh-CN" altLang="en-US" smtClean="0"/>
-              <a:t>2017/6/9</a:t>
+              <a:t>2017/9/5</a:t>
             </a:fld>
             <a:endParaRPr lang="zh-CN" altLang="en-US"/>
           </a:p>
@@ -1030,7 +1030,7 @@
           <a:p>
             <a:fld id="{294C78A6-F6A0-4D3D-A31A-DDE82C9276DA}" type="datetimeFigureOut">
               <a:rPr lang="zh-CN" altLang="en-US" smtClean="0"/>
-              <a:t>2017/6/9</a:t>
+              <a:t>2017/9/5</a:t>
             </a:fld>
             <a:endParaRPr lang="zh-CN" altLang="en-US"/>
           </a:p>
@@ -1262,7 +1262,7 @@
           <a:p>
             <a:fld id="{294C78A6-F6A0-4D3D-A31A-DDE82C9276DA}" type="datetimeFigureOut">
               <a:rPr lang="zh-CN" altLang="en-US" smtClean="0"/>
-              <a:t>2017/6/9</a:t>
+              <a:t>2017/9/5</a:t>
             </a:fld>
             <a:endParaRPr lang="zh-CN" altLang="en-US"/>
           </a:p>
@@ -1609,7 +1609,7 @@
           <a:p>
             <a:fld id="{294C78A6-F6A0-4D3D-A31A-DDE82C9276DA}" type="datetimeFigureOut">
               <a:rPr lang="zh-CN" altLang="en-US" smtClean="0"/>
-              <a:t>2017/6/9</a:t>
+              <a:t>2017/9/5</a:t>
             </a:fld>
             <a:endParaRPr lang="zh-CN" altLang="en-US"/>
           </a:p>
@@ -1727,7 +1727,7 @@
           <a:p>
             <a:fld id="{294C78A6-F6A0-4D3D-A31A-DDE82C9276DA}" type="datetimeFigureOut">
               <a:rPr lang="zh-CN" altLang="en-US" smtClean="0"/>
-              <a:t>2017/6/9</a:t>
+              <a:t>2017/9/5</a:t>
             </a:fld>
             <a:endParaRPr lang="zh-CN" altLang="en-US"/>
           </a:p>
@@ -1845,7 +1845,7 @@
           <a:p>
             <a:fld id="{294C78A6-F6A0-4D3D-A31A-DDE82C9276DA}" type="datetimeFigureOut">
               <a:rPr lang="zh-CN" altLang="en-US" smtClean="0"/>
-              <a:t>2017/6/9</a:t>
+              <a:t>2017/9/5</a:t>
             </a:fld>
             <a:endParaRPr lang="zh-CN" altLang="en-US"/>
           </a:p>
@@ -2129,7 +2129,7 @@
           <a:p>
             <a:fld id="{294C78A6-F6A0-4D3D-A31A-DDE82C9276DA}" type="datetimeFigureOut">
               <a:rPr lang="zh-CN" altLang="en-US" smtClean="0"/>
-              <a:t>2017/6/9</a:t>
+              <a:t>2017/9/5</a:t>
             </a:fld>
             <a:endParaRPr lang="zh-CN" altLang="en-US"/>
           </a:p>
@@ -2393,7 +2393,7 @@
           <a:p>
             <a:fld id="{294C78A6-F6A0-4D3D-A31A-DDE82C9276DA}" type="datetimeFigureOut">
               <a:rPr lang="zh-CN" altLang="en-US" smtClean="0"/>
-              <a:t>2017/6/9</a:t>
+              <a:t>2017/9/5</a:t>
             </a:fld>
             <a:endParaRPr lang="zh-CN" altLang="en-US"/>
           </a:p>
@@ -2607,7 +2607,7 @@
           <a:p>
             <a:fld id="{294C78A6-F6A0-4D3D-A31A-DDE82C9276DA}" type="datetimeFigureOut">
               <a:rPr lang="zh-CN" altLang="en-US" smtClean="0"/>
-              <a:t>2017/6/9</a:t>
+              <a:t>2017/9/5</a:t>
             </a:fld>
             <a:endParaRPr lang="zh-CN" altLang="en-US"/>
           </a:p>
@@ -3009,7 +3009,7 @@
         </p:nvSpPr>
         <p:spPr>
           <a:xfrm>
-            <a:off x="1772530" y="1859592"/>
+            <a:off x="5840947" y="2164393"/>
             <a:ext cx="3094582" cy="3094582"/>
           </a:xfrm>
           <a:custGeom>
@@ -3900,8 +3900,8 @@
         </p:nvSpPr>
         <p:spPr>
           <a:xfrm>
-            <a:off x="7244552" y="1184032"/>
-            <a:ext cx="3770142" cy="3770142"/>
+            <a:off x="1921565" y="1868557"/>
+            <a:ext cx="4237483" cy="4231780"/>
           </a:xfrm>
           <a:custGeom>
             <a:avLst/>
